--- a/presentaiton.pptx
+++ b/presentaiton.pptx
@@ -116,6 +116,11 @@
       </a:defRPr>
     </a:lvl9pPr>
   </p:defaultTextStyle>
+  <p:extLst>
+    <p:ext uri="{EFAFB233-063F-42B5-8137-9DF3F51BA10A}">
+      <p15:sldGuideLst xmlns:p15="http://schemas.microsoft.com/office/powerpoint/2012/main"/>
+    </p:ext>
+  </p:extLst>
 </p:presentation>
 </file>
 
@@ -176,7 +181,7 @@
           <a:noFill/>
           <a:extLst>
             <a:ext uri="{909E8E84-426E-40dd-AFC4-6F175D3DCCD1}">
-              <a14:hiddenFill xmlns:a14="http://schemas.microsoft.com/office/drawing/2010/main" xmlns="">
+              <a14:hiddenFill xmlns="" xmlns:a14="http://schemas.microsoft.com/office/drawing/2010/main">
                 <a:solidFill>
                   <a:srgbClr val="FFFFFF"/>
                 </a:solidFill>
@@ -235,7 +240,7 @@
             </a:ln>
             <a:extLst>
               <a:ext uri="{91240B29-F687-4f45-9708-019B960494DF}">
-                <a14:hiddenLine xmlns:a14="http://schemas.microsoft.com/office/drawing/2010/main" xmlns="" w="9525">
+                <a14:hiddenLine xmlns="" xmlns:a14="http://schemas.microsoft.com/office/drawing/2010/main" w="9525">
                   <a:solidFill>
                     <a:srgbClr val="000000"/>
                   </a:solidFill>
@@ -325,7 +330,7 @@
             </a:ln>
             <a:extLst>
               <a:ext uri="{91240B29-F687-4f45-9708-019B960494DF}">
-                <a14:hiddenLine xmlns:a14="http://schemas.microsoft.com/office/drawing/2010/main" xmlns="" w="9525">
+                <a14:hiddenLine xmlns="" xmlns:a14="http://schemas.microsoft.com/office/drawing/2010/main" w="9525">
                   <a:solidFill>
                     <a:srgbClr val="000000"/>
                   </a:solidFill>
@@ -415,7 +420,7 @@
             </a:ln>
             <a:extLst>
               <a:ext uri="{91240B29-F687-4f45-9708-019B960494DF}">
-                <a14:hiddenLine xmlns:a14="http://schemas.microsoft.com/office/drawing/2010/main" xmlns="" w="9525">
+                <a14:hiddenLine xmlns="" xmlns:a14="http://schemas.microsoft.com/office/drawing/2010/main" w="9525">
                   <a:solidFill>
                     <a:srgbClr val="000000"/>
                   </a:solidFill>
@@ -449,7 +454,7 @@
             </a:ln>
             <a:extLst>
               <a:ext uri="{91240B29-F687-4f45-9708-019B960494DF}">
-                <a14:hiddenLine xmlns:a14="http://schemas.microsoft.com/office/drawing/2010/main" xmlns="" w="9525">
+                <a14:hiddenLine xmlns="" xmlns:a14="http://schemas.microsoft.com/office/drawing/2010/main" w="9525">
                   <a:solidFill>
                     <a:srgbClr val="000000"/>
                   </a:solidFill>
@@ -539,7 +544,7 @@
             </a:ln>
             <a:extLst>
               <a:ext uri="{91240B29-F687-4f45-9708-019B960494DF}">
-                <a14:hiddenLine xmlns:a14="http://schemas.microsoft.com/office/drawing/2010/main" xmlns="" w="9525">
+                <a14:hiddenLine xmlns="" xmlns:a14="http://schemas.microsoft.com/office/drawing/2010/main" w="9525">
                   <a:solidFill>
                     <a:srgbClr val="000000"/>
                   </a:solidFill>
@@ -601,7 +606,7 @@
             </a:ln>
             <a:extLst>
               <a:ext uri="{91240B29-F687-4f45-9708-019B960494DF}">
-                <a14:hiddenLine xmlns:a14="http://schemas.microsoft.com/office/drawing/2010/main" xmlns="" w="9525">
+                <a14:hiddenLine xmlns="" xmlns:a14="http://schemas.microsoft.com/office/drawing/2010/main" w="9525">
                   <a:solidFill>
                     <a:srgbClr val="000000"/>
                   </a:solidFill>
@@ -663,7 +668,7 @@
             </a:ln>
             <a:extLst>
               <a:ext uri="{91240B29-F687-4f45-9708-019B960494DF}">
-                <a14:hiddenLine xmlns:a14="http://schemas.microsoft.com/office/drawing/2010/main" xmlns="" w="9525">
+                <a14:hiddenLine xmlns="" xmlns:a14="http://schemas.microsoft.com/office/drawing/2010/main" w="9525">
                   <a:solidFill>
                     <a:srgbClr val="000000"/>
                   </a:solidFill>
@@ -753,7 +758,7 @@
             </a:ln>
             <a:extLst>
               <a:ext uri="{91240B29-F687-4f45-9708-019B960494DF}">
-                <a14:hiddenLine xmlns:a14="http://schemas.microsoft.com/office/drawing/2010/main" xmlns="" w="9525">
+                <a14:hiddenLine xmlns="" xmlns:a14="http://schemas.microsoft.com/office/drawing/2010/main" w="9525">
                   <a:solidFill>
                     <a:srgbClr val="000000"/>
                   </a:solidFill>
@@ -815,7 +820,7 @@
             </a:ln>
             <a:extLst>
               <a:ext uri="{91240B29-F687-4f45-9708-019B960494DF}">
-                <a14:hiddenLine xmlns:a14="http://schemas.microsoft.com/office/drawing/2010/main" xmlns="" w="9525">
+                <a14:hiddenLine xmlns="" xmlns:a14="http://schemas.microsoft.com/office/drawing/2010/main" w="9525">
                   <a:solidFill>
                     <a:srgbClr val="000000"/>
                   </a:solidFill>
@@ -877,7 +882,7 @@
             </a:ln>
             <a:extLst>
               <a:ext uri="{91240B29-F687-4f45-9708-019B960494DF}">
-                <a14:hiddenLine xmlns:a14="http://schemas.microsoft.com/office/drawing/2010/main" xmlns="" w="9525">
+                <a14:hiddenLine xmlns="" xmlns:a14="http://schemas.microsoft.com/office/drawing/2010/main" w="9525">
                   <a:solidFill>
                     <a:srgbClr val="000000"/>
                   </a:solidFill>
@@ -967,7 +972,7 @@
             </a:ln>
             <a:extLst>
               <a:ext uri="{91240B29-F687-4f45-9708-019B960494DF}">
-                <a14:hiddenLine xmlns:a14="http://schemas.microsoft.com/office/drawing/2010/main" xmlns="" w="9525">
+                <a14:hiddenLine xmlns="" xmlns:a14="http://schemas.microsoft.com/office/drawing/2010/main" w="9525">
                   <a:solidFill>
                     <a:srgbClr val="000000"/>
                   </a:solidFill>
@@ -1057,7 +1062,7 @@
             </a:ln>
             <a:extLst>
               <a:ext uri="{91240B29-F687-4f45-9708-019B960494DF}">
-                <a14:hiddenLine xmlns:a14="http://schemas.microsoft.com/office/drawing/2010/main" xmlns="" w="9525">
+                <a14:hiddenLine xmlns="" xmlns:a14="http://schemas.microsoft.com/office/drawing/2010/main" w="9525">
                   <a:solidFill>
                     <a:srgbClr val="000000"/>
                   </a:solidFill>
@@ -1119,7 +1124,7 @@
             </a:ln>
             <a:extLst>
               <a:ext uri="{91240B29-F687-4f45-9708-019B960494DF}">
-                <a14:hiddenLine xmlns:a14="http://schemas.microsoft.com/office/drawing/2010/main" xmlns="" w="9525">
+                <a14:hiddenLine xmlns="" xmlns:a14="http://schemas.microsoft.com/office/drawing/2010/main" w="9525">
                   <a:solidFill>
                     <a:srgbClr val="000000"/>
                   </a:solidFill>
@@ -1229,7 +1234,7 @@
             </a:ln>
             <a:extLst>
               <a:ext uri="{91240B29-F687-4f45-9708-019B960494DF}">
-                <a14:hiddenLine xmlns:a14="http://schemas.microsoft.com/office/drawing/2010/main" xmlns="" w="9525">
+                <a14:hiddenLine xmlns="" xmlns:a14="http://schemas.microsoft.com/office/drawing/2010/main" w="9525">
                   <a:solidFill>
                     <a:srgbClr val="000000"/>
                   </a:solidFill>
@@ -1291,7 +1296,7 @@
             </a:ln>
             <a:extLst>
               <a:ext uri="{91240B29-F687-4f45-9708-019B960494DF}">
-                <a14:hiddenLine xmlns:a14="http://schemas.microsoft.com/office/drawing/2010/main" xmlns="" w="9525">
+                <a14:hiddenLine xmlns="" xmlns:a14="http://schemas.microsoft.com/office/drawing/2010/main" w="9525">
                   <a:solidFill>
                     <a:srgbClr val="000000"/>
                   </a:solidFill>
@@ -1381,7 +1386,7 @@
             </a:ln>
             <a:extLst>
               <a:ext uri="{91240B29-F687-4f45-9708-019B960494DF}">
-                <a14:hiddenLine xmlns:a14="http://schemas.microsoft.com/office/drawing/2010/main" xmlns="" w="9525">
+                <a14:hiddenLine xmlns="" xmlns:a14="http://schemas.microsoft.com/office/drawing/2010/main" w="9525">
                   <a:solidFill>
                     <a:srgbClr val="000000"/>
                   </a:solidFill>
@@ -1471,7 +1476,7 @@
             </a:ln>
             <a:extLst>
               <a:ext uri="{91240B29-F687-4f45-9708-019B960494DF}">
-                <a14:hiddenLine xmlns:a14="http://schemas.microsoft.com/office/drawing/2010/main" xmlns="" w="9525">
+                <a14:hiddenLine xmlns="" xmlns:a14="http://schemas.microsoft.com/office/drawing/2010/main" w="9525">
                   <a:solidFill>
                     <a:srgbClr val="000000"/>
                   </a:solidFill>
@@ -1533,7 +1538,7 @@
             </a:ln>
             <a:extLst>
               <a:ext uri="{91240B29-F687-4f45-9708-019B960494DF}">
-                <a14:hiddenLine xmlns:a14="http://schemas.microsoft.com/office/drawing/2010/main" xmlns="" w="9525">
+                <a14:hiddenLine xmlns="" xmlns:a14="http://schemas.microsoft.com/office/drawing/2010/main" w="9525">
                   <a:solidFill>
                     <a:srgbClr val="000000"/>
                   </a:solidFill>
@@ -1623,7 +1628,7 @@
             </a:ln>
             <a:extLst>
               <a:ext uri="{91240B29-F687-4f45-9708-019B960494DF}">
-                <a14:hiddenLine xmlns:a14="http://schemas.microsoft.com/office/drawing/2010/main" xmlns="" w="9525">
+                <a14:hiddenLine xmlns="" xmlns:a14="http://schemas.microsoft.com/office/drawing/2010/main" w="9525">
                   <a:solidFill>
                     <a:srgbClr val="000000"/>
                   </a:solidFill>
@@ -1713,7 +1718,7 @@
             </a:ln>
             <a:extLst>
               <a:ext uri="{91240B29-F687-4f45-9708-019B960494DF}">
-                <a14:hiddenLine xmlns:a14="http://schemas.microsoft.com/office/drawing/2010/main" xmlns="" w="9525">
+                <a14:hiddenLine xmlns="" xmlns:a14="http://schemas.microsoft.com/office/drawing/2010/main" w="9525">
                   <a:solidFill>
                     <a:srgbClr val="000000"/>
                   </a:solidFill>
@@ -1769,7 +1774,7 @@
             </a:ln>
             <a:extLst>
               <a:ext uri="{91240B29-F687-4f45-9708-019B960494DF}">
-                <a14:hiddenLine xmlns:a14="http://schemas.microsoft.com/office/drawing/2010/main" xmlns="" w="9525">
+                <a14:hiddenLine xmlns="" xmlns:a14="http://schemas.microsoft.com/office/drawing/2010/main" w="9525">
                   <a:solidFill>
                     <a:srgbClr val="000000"/>
                   </a:solidFill>
@@ -1859,7 +1864,7 @@
             </a:ln>
             <a:extLst>
               <a:ext uri="{91240B29-F687-4f45-9708-019B960494DF}">
-                <a14:hiddenLine xmlns:a14="http://schemas.microsoft.com/office/drawing/2010/main" xmlns="" w="9525">
+                <a14:hiddenLine xmlns="" xmlns:a14="http://schemas.microsoft.com/office/drawing/2010/main" w="9525">
                   <a:solidFill>
                     <a:srgbClr val="000000"/>
                   </a:solidFill>
@@ -1915,7 +1920,7 @@
             </a:ln>
             <a:extLst>
               <a:ext uri="{91240B29-F687-4f45-9708-019B960494DF}">
-                <a14:hiddenLine xmlns:a14="http://schemas.microsoft.com/office/drawing/2010/main" xmlns="" w="9525">
+                <a14:hiddenLine xmlns="" xmlns:a14="http://schemas.microsoft.com/office/drawing/2010/main" w="9525">
                   <a:solidFill>
                     <a:srgbClr val="000000"/>
                   </a:solidFill>
@@ -2005,7 +2010,7 @@
             </a:ln>
             <a:extLst>
               <a:ext uri="{91240B29-F687-4f45-9708-019B960494DF}">
-                <a14:hiddenLine xmlns:a14="http://schemas.microsoft.com/office/drawing/2010/main" xmlns="" w="9525">
+                <a14:hiddenLine xmlns="" xmlns:a14="http://schemas.microsoft.com/office/drawing/2010/main" w="9525">
                   <a:solidFill>
                     <a:srgbClr val="000000"/>
                   </a:solidFill>
@@ -2073,7 +2078,7 @@
             </a:ln>
             <a:extLst>
               <a:ext uri="{91240B29-F687-4f45-9708-019B960494DF}">
-                <a14:hiddenLine xmlns:a14="http://schemas.microsoft.com/office/drawing/2010/main" xmlns="" w="9525">
+                <a14:hiddenLine xmlns="" xmlns:a14="http://schemas.microsoft.com/office/drawing/2010/main" w="9525">
                   <a:solidFill>
                     <a:srgbClr val="000000"/>
                   </a:solidFill>
@@ -2163,7 +2168,7 @@
             </a:ln>
             <a:extLst>
               <a:ext uri="{91240B29-F687-4f45-9708-019B960494DF}">
-                <a14:hiddenLine xmlns:a14="http://schemas.microsoft.com/office/drawing/2010/main" xmlns="" w="9525">
+                <a14:hiddenLine xmlns="" xmlns:a14="http://schemas.microsoft.com/office/drawing/2010/main" w="9525">
                   <a:solidFill>
                     <a:srgbClr val="000000"/>
                   </a:solidFill>
@@ -2231,7 +2236,7 @@
             </a:ln>
             <a:extLst>
               <a:ext uri="{91240B29-F687-4f45-9708-019B960494DF}">
-                <a14:hiddenLine xmlns:a14="http://schemas.microsoft.com/office/drawing/2010/main" xmlns="" w="9525">
+                <a14:hiddenLine xmlns="" xmlns:a14="http://schemas.microsoft.com/office/drawing/2010/main" w="9525">
                   <a:solidFill>
                     <a:srgbClr val="000000"/>
                   </a:solidFill>
@@ -2321,7 +2326,7 @@
             </a:ln>
             <a:extLst>
               <a:ext uri="{91240B29-F687-4f45-9708-019B960494DF}">
-                <a14:hiddenLine xmlns:a14="http://schemas.microsoft.com/office/drawing/2010/main" xmlns="" w="9525">
+                <a14:hiddenLine xmlns="" xmlns:a14="http://schemas.microsoft.com/office/drawing/2010/main" w="9525">
                   <a:solidFill>
                     <a:srgbClr val="000000"/>
                   </a:solidFill>
@@ -2355,7 +2360,7 @@
             </a:ln>
             <a:extLst>
               <a:ext uri="{91240B29-F687-4f45-9708-019B960494DF}">
-                <a14:hiddenLine xmlns:a14="http://schemas.microsoft.com/office/drawing/2010/main" xmlns="" w="9525">
+                <a14:hiddenLine xmlns="" xmlns:a14="http://schemas.microsoft.com/office/drawing/2010/main" w="9525">
                   <a:solidFill>
                     <a:srgbClr val="000000"/>
                   </a:solidFill>
@@ -2445,7 +2450,7 @@
             </a:ln>
             <a:extLst>
               <a:ext uri="{91240B29-F687-4f45-9708-019B960494DF}">
-                <a14:hiddenLine xmlns:a14="http://schemas.microsoft.com/office/drawing/2010/main" xmlns="" w="9525">
+                <a14:hiddenLine xmlns="" xmlns:a14="http://schemas.microsoft.com/office/drawing/2010/main" w="9525">
                   <a:solidFill>
                     <a:srgbClr val="000000"/>
                   </a:solidFill>
@@ -2507,7 +2512,7 @@
             </a:ln>
             <a:extLst>
               <a:ext uri="{91240B29-F687-4f45-9708-019B960494DF}">
-                <a14:hiddenLine xmlns:a14="http://schemas.microsoft.com/office/drawing/2010/main" xmlns="" w="9525">
+                <a14:hiddenLine xmlns="" xmlns:a14="http://schemas.microsoft.com/office/drawing/2010/main" w="9525">
                   <a:solidFill>
                     <a:srgbClr val="000000"/>
                   </a:solidFill>
@@ -2569,7 +2574,7 @@
             </a:ln>
             <a:extLst>
               <a:ext uri="{91240B29-F687-4f45-9708-019B960494DF}">
-                <a14:hiddenLine xmlns:a14="http://schemas.microsoft.com/office/drawing/2010/main" xmlns="" w="9525">
+                <a14:hiddenLine xmlns="" xmlns:a14="http://schemas.microsoft.com/office/drawing/2010/main" w="9525">
                   <a:solidFill>
                     <a:srgbClr val="000000"/>
                   </a:solidFill>
@@ -2659,7 +2664,7 @@
             </a:ln>
             <a:extLst>
               <a:ext uri="{91240B29-F687-4f45-9708-019B960494DF}">
-                <a14:hiddenLine xmlns:a14="http://schemas.microsoft.com/office/drawing/2010/main" xmlns="" w="9525">
+                <a14:hiddenLine xmlns="" xmlns:a14="http://schemas.microsoft.com/office/drawing/2010/main" w="9525">
                   <a:solidFill>
                     <a:srgbClr val="000000"/>
                   </a:solidFill>
@@ -2727,7 +2732,7 @@
             </a:ln>
             <a:extLst>
               <a:ext uri="{91240B29-F687-4f45-9708-019B960494DF}">
-                <a14:hiddenLine xmlns:a14="http://schemas.microsoft.com/office/drawing/2010/main" xmlns="" w="9525">
+                <a14:hiddenLine xmlns="" xmlns:a14="http://schemas.microsoft.com/office/drawing/2010/main" w="9525">
                   <a:solidFill>
                     <a:srgbClr val="000000"/>
                   </a:solidFill>
@@ -2789,7 +2794,7 @@
             </a:ln>
             <a:extLst>
               <a:ext uri="{91240B29-F687-4f45-9708-019B960494DF}">
-                <a14:hiddenLine xmlns:a14="http://schemas.microsoft.com/office/drawing/2010/main" xmlns="" w="9525">
+                <a14:hiddenLine xmlns="" xmlns:a14="http://schemas.microsoft.com/office/drawing/2010/main" w="9525">
                   <a:solidFill>
                     <a:srgbClr val="000000"/>
                   </a:solidFill>
@@ -2879,7 +2884,7 @@
             </a:ln>
             <a:extLst>
               <a:ext uri="{91240B29-F687-4f45-9708-019B960494DF}">
-                <a14:hiddenLine xmlns:a14="http://schemas.microsoft.com/office/drawing/2010/main" xmlns="" w="9525">
+                <a14:hiddenLine xmlns="" xmlns:a14="http://schemas.microsoft.com/office/drawing/2010/main" w="9525">
                   <a:solidFill>
                     <a:srgbClr val="000000"/>
                   </a:solidFill>
@@ -2941,7 +2946,7 @@
             </a:ln>
             <a:extLst>
               <a:ext uri="{91240B29-F687-4f45-9708-019B960494DF}">
-                <a14:hiddenLine xmlns:a14="http://schemas.microsoft.com/office/drawing/2010/main" xmlns="" w="9525">
+                <a14:hiddenLine xmlns="" xmlns:a14="http://schemas.microsoft.com/office/drawing/2010/main" w="9525">
                   <a:solidFill>
                     <a:srgbClr val="000000"/>
                   </a:solidFill>
@@ -3031,7 +3036,7 @@
             </a:ln>
             <a:extLst>
               <a:ext uri="{91240B29-F687-4f45-9708-019B960494DF}">
-                <a14:hiddenLine xmlns:a14="http://schemas.microsoft.com/office/drawing/2010/main" xmlns="" w="9525">
+                <a14:hiddenLine xmlns="" xmlns:a14="http://schemas.microsoft.com/office/drawing/2010/main" w="9525">
                   <a:solidFill>
                     <a:srgbClr val="000000"/>
                   </a:solidFill>
@@ -3093,7 +3098,7 @@
             </a:ln>
             <a:extLst>
               <a:ext uri="{91240B29-F687-4f45-9708-019B960494DF}">
-                <a14:hiddenLine xmlns:a14="http://schemas.microsoft.com/office/drawing/2010/main" xmlns="" w="9525">
+                <a14:hiddenLine xmlns="" xmlns:a14="http://schemas.microsoft.com/office/drawing/2010/main" w="9525">
                   <a:solidFill>
                     <a:srgbClr val="000000"/>
                   </a:solidFill>
@@ -3183,7 +3188,7 @@
             </a:ln>
             <a:extLst>
               <a:ext uri="{91240B29-F687-4f45-9708-019B960494DF}">
-                <a14:hiddenLine xmlns:a14="http://schemas.microsoft.com/office/drawing/2010/main" xmlns="" w="9525">
+                <a14:hiddenLine xmlns="" xmlns:a14="http://schemas.microsoft.com/office/drawing/2010/main" w="9525">
                   <a:solidFill>
                     <a:srgbClr val="000000"/>
                   </a:solidFill>
@@ -3217,7 +3222,7 @@
             </a:ln>
             <a:extLst>
               <a:ext uri="{91240B29-F687-4f45-9708-019B960494DF}">
-                <a14:hiddenLine xmlns:a14="http://schemas.microsoft.com/office/drawing/2010/main" xmlns="" w="9525">
+                <a14:hiddenLine xmlns="" xmlns:a14="http://schemas.microsoft.com/office/drawing/2010/main" w="9525">
                   <a:solidFill>
                     <a:srgbClr val="000000"/>
                   </a:solidFill>
@@ -3282,7 +3287,7 @@
             </a:ln>
             <a:extLst>
               <a:ext uri="{91240B29-F687-4f45-9708-019B960494DF}">
-                <a14:hiddenLine xmlns:a14="http://schemas.microsoft.com/office/drawing/2010/main" xmlns="" w="9525">
+                <a14:hiddenLine xmlns="" xmlns:a14="http://schemas.microsoft.com/office/drawing/2010/main" w="9525">
                   <a:solidFill>
                     <a:srgbClr val="000000"/>
                   </a:solidFill>
@@ -3372,7 +3377,7 @@
             </a:ln>
             <a:extLst>
               <a:ext uri="{91240B29-F687-4f45-9708-019B960494DF}">
-                <a14:hiddenLine xmlns:a14="http://schemas.microsoft.com/office/drawing/2010/main" xmlns="" w="9525">
+                <a14:hiddenLine xmlns="" xmlns:a14="http://schemas.microsoft.com/office/drawing/2010/main" w="9525">
                   <a:solidFill>
                     <a:srgbClr val="000000"/>
                   </a:solidFill>
@@ -3434,7 +3439,7 @@
             </a:ln>
             <a:extLst>
               <a:ext uri="{91240B29-F687-4f45-9708-019B960494DF}">
-                <a14:hiddenLine xmlns:a14="http://schemas.microsoft.com/office/drawing/2010/main" xmlns="" w="9525">
+                <a14:hiddenLine xmlns="" xmlns:a14="http://schemas.microsoft.com/office/drawing/2010/main" w="9525">
                   <a:solidFill>
                     <a:srgbClr val="000000"/>
                   </a:solidFill>
@@ -3524,7 +3529,7 @@
             </a:ln>
             <a:extLst>
               <a:ext uri="{91240B29-F687-4f45-9708-019B960494DF}">
-                <a14:hiddenLine xmlns:a14="http://schemas.microsoft.com/office/drawing/2010/main" xmlns="" w="9525">
+                <a14:hiddenLine xmlns="" xmlns:a14="http://schemas.microsoft.com/office/drawing/2010/main" w="9525">
                   <a:solidFill>
                     <a:srgbClr val="000000"/>
                   </a:solidFill>
@@ -3614,7 +3619,7 @@
             </a:ln>
             <a:extLst>
               <a:ext uri="{91240B29-F687-4f45-9708-019B960494DF}">
-                <a14:hiddenLine xmlns:a14="http://schemas.microsoft.com/office/drawing/2010/main" xmlns="" w="9525">
+                <a14:hiddenLine xmlns="" xmlns:a14="http://schemas.microsoft.com/office/drawing/2010/main" w="9525">
                   <a:solidFill>
                     <a:srgbClr val="000000"/>
                   </a:solidFill>
@@ -3679,7 +3684,7 @@
             </a:ln>
             <a:extLst>
               <a:ext uri="{91240B29-F687-4f45-9708-019B960494DF}">
-                <a14:hiddenLine xmlns:a14="http://schemas.microsoft.com/office/drawing/2010/main" xmlns="" w="9525">
+                <a14:hiddenLine xmlns="" xmlns:a14="http://schemas.microsoft.com/office/drawing/2010/main" w="9525">
                   <a:solidFill>
                     <a:srgbClr val="000000"/>
                   </a:solidFill>
@@ -3741,7 +3746,7 @@
             </a:ln>
             <a:extLst>
               <a:ext uri="{91240B29-F687-4f45-9708-019B960494DF}">
-                <a14:hiddenLine xmlns:a14="http://schemas.microsoft.com/office/drawing/2010/main" xmlns="" w="9525">
+                <a14:hiddenLine xmlns="" xmlns:a14="http://schemas.microsoft.com/office/drawing/2010/main" w="9525">
                   <a:solidFill>
                     <a:srgbClr val="000000"/>
                   </a:solidFill>
@@ -3831,7 +3836,7 @@
             </a:ln>
             <a:extLst>
               <a:ext uri="{91240B29-F687-4f45-9708-019B960494DF}">
-                <a14:hiddenLine xmlns:a14="http://schemas.microsoft.com/office/drawing/2010/main" xmlns="" w="9525">
+                <a14:hiddenLine xmlns="" xmlns:a14="http://schemas.microsoft.com/office/drawing/2010/main" w="9525">
                   <a:solidFill>
                     <a:srgbClr val="000000"/>
                   </a:solidFill>
@@ -3921,7 +3926,7 @@
             </a:ln>
             <a:extLst>
               <a:ext uri="{91240B29-F687-4f45-9708-019B960494DF}">
-                <a14:hiddenLine xmlns:a14="http://schemas.microsoft.com/office/drawing/2010/main" xmlns="" w="9525">
+                <a14:hiddenLine xmlns="" xmlns:a14="http://schemas.microsoft.com/office/drawing/2010/main" w="9525">
                   <a:solidFill>
                     <a:srgbClr val="000000"/>
                   </a:solidFill>
@@ -3983,7 +3988,7 @@
             </a:ln>
             <a:extLst>
               <a:ext uri="{91240B29-F687-4f45-9708-019B960494DF}">
-                <a14:hiddenLine xmlns:a14="http://schemas.microsoft.com/office/drawing/2010/main" xmlns="" w="9525">
+                <a14:hiddenLine xmlns="" xmlns:a14="http://schemas.microsoft.com/office/drawing/2010/main" w="9525">
                   <a:solidFill>
                     <a:srgbClr val="000000"/>
                   </a:solidFill>
@@ -4103,7 +4108,7 @@
             </a:ln>
             <a:extLst>
               <a:ext uri="{91240B29-F687-4f45-9708-019B960494DF}">
-                <a14:hiddenLine xmlns:a14="http://schemas.microsoft.com/office/drawing/2010/main" xmlns="" w="9525">
+                <a14:hiddenLine xmlns="" xmlns:a14="http://schemas.microsoft.com/office/drawing/2010/main" w="9525">
                   <a:solidFill>
                     <a:srgbClr val="000000"/>
                   </a:solidFill>
@@ -4171,7 +4176,7 @@
             </a:ln>
             <a:extLst>
               <a:ext uri="{91240B29-F687-4f45-9708-019B960494DF}">
-                <a14:hiddenLine xmlns:a14="http://schemas.microsoft.com/office/drawing/2010/main" xmlns="" w="9525">
+                <a14:hiddenLine xmlns="" xmlns:a14="http://schemas.microsoft.com/office/drawing/2010/main" w="9525">
                   <a:solidFill>
                     <a:srgbClr val="000000"/>
                   </a:solidFill>
@@ -4261,7 +4266,7 @@
             </a:ln>
             <a:extLst>
               <a:ext uri="{91240B29-F687-4f45-9708-019B960494DF}">
-                <a14:hiddenLine xmlns:a14="http://schemas.microsoft.com/office/drawing/2010/main" xmlns="" w="9525">
+                <a14:hiddenLine xmlns="" xmlns:a14="http://schemas.microsoft.com/office/drawing/2010/main" w="9525">
                   <a:solidFill>
                     <a:srgbClr val="000000"/>
                   </a:solidFill>
@@ -9075,7 +9080,7 @@
           <a:noFill/>
           <a:extLst>
             <a:ext uri="{909E8E84-426E-40dd-AFC4-6F175D3DCCD1}">
-              <a14:hiddenFill xmlns:a14="http://schemas.microsoft.com/office/drawing/2010/main" xmlns="">
+              <a14:hiddenFill xmlns="" xmlns:a14="http://schemas.microsoft.com/office/drawing/2010/main">
                 <a:solidFill>
                   <a:srgbClr val="FFFFFF"/>
                 </a:solidFill>
@@ -9149,7 +9154,7 @@
               </a:ln>
               <a:extLst>
                 <a:ext uri="{91240B29-F687-4f45-9708-019B960494DF}">
-                  <a14:hiddenLine xmlns:a14="http://schemas.microsoft.com/office/drawing/2010/main" xmlns="" w="9525">
+                  <a14:hiddenLine xmlns="" xmlns:a14="http://schemas.microsoft.com/office/drawing/2010/main" w="9525">
                     <a:solidFill>
                       <a:srgbClr val="000000"/>
                     </a:solidFill>
@@ -9239,7 +9244,7 @@
               </a:ln>
               <a:extLst>
                 <a:ext uri="{91240B29-F687-4f45-9708-019B960494DF}">
-                  <a14:hiddenLine xmlns:a14="http://schemas.microsoft.com/office/drawing/2010/main" xmlns="" w="9525">
+                  <a14:hiddenLine xmlns="" xmlns:a14="http://schemas.microsoft.com/office/drawing/2010/main" w="9525">
                     <a:solidFill>
                       <a:srgbClr val="000000"/>
                     </a:solidFill>
@@ -9329,7 +9334,7 @@
               </a:ln>
               <a:extLst>
                 <a:ext uri="{91240B29-F687-4f45-9708-019B960494DF}">
-                  <a14:hiddenLine xmlns:a14="http://schemas.microsoft.com/office/drawing/2010/main" xmlns="" w="9525">
+                  <a14:hiddenLine xmlns="" xmlns:a14="http://schemas.microsoft.com/office/drawing/2010/main" w="9525">
                     <a:solidFill>
                       <a:srgbClr val="000000"/>
                     </a:solidFill>
@@ -9391,7 +9396,7 @@
               </a:ln>
               <a:extLst>
                 <a:ext uri="{91240B29-F687-4f45-9708-019B960494DF}">
-                  <a14:hiddenLine xmlns:a14="http://schemas.microsoft.com/office/drawing/2010/main" xmlns="" w="9525">
+                  <a14:hiddenLine xmlns="" xmlns:a14="http://schemas.microsoft.com/office/drawing/2010/main" w="9525">
                     <a:solidFill>
                       <a:srgbClr val="000000"/>
                     </a:solidFill>
@@ -9481,7 +9486,7 @@
               </a:ln>
               <a:extLst>
                 <a:ext uri="{91240B29-F687-4f45-9708-019B960494DF}">
-                  <a14:hiddenLine xmlns:a14="http://schemas.microsoft.com/office/drawing/2010/main" xmlns="" w="9525">
+                  <a14:hiddenLine xmlns="" xmlns:a14="http://schemas.microsoft.com/office/drawing/2010/main" w="9525">
                     <a:solidFill>
                       <a:srgbClr val="000000"/>
                     </a:solidFill>
@@ -9543,7 +9548,7 @@
               </a:ln>
               <a:extLst>
                 <a:ext uri="{91240B29-F687-4f45-9708-019B960494DF}">
-                  <a14:hiddenLine xmlns:a14="http://schemas.microsoft.com/office/drawing/2010/main" xmlns="" w="9525">
+                  <a14:hiddenLine xmlns="" xmlns:a14="http://schemas.microsoft.com/office/drawing/2010/main" w="9525">
                     <a:solidFill>
                       <a:srgbClr val="000000"/>
                     </a:solidFill>
@@ -9605,7 +9610,7 @@
               </a:ln>
               <a:extLst>
                 <a:ext uri="{91240B29-F687-4f45-9708-019B960494DF}">
-                  <a14:hiddenLine xmlns:a14="http://schemas.microsoft.com/office/drawing/2010/main" xmlns="" w="9525">
+                  <a14:hiddenLine xmlns="" xmlns:a14="http://schemas.microsoft.com/office/drawing/2010/main" w="9525">
                     <a:solidFill>
                       <a:srgbClr val="000000"/>
                     </a:solidFill>
@@ -9695,7 +9700,7 @@
               </a:ln>
               <a:extLst>
                 <a:ext uri="{91240B29-F687-4f45-9708-019B960494DF}">
-                  <a14:hiddenLine xmlns:a14="http://schemas.microsoft.com/office/drawing/2010/main" xmlns="" w="9525">
+                  <a14:hiddenLine xmlns="" xmlns:a14="http://schemas.microsoft.com/office/drawing/2010/main" w="9525">
                     <a:solidFill>
                       <a:srgbClr val="000000"/>
                     </a:solidFill>
@@ -9785,7 +9790,7 @@
               </a:ln>
               <a:extLst>
                 <a:ext uri="{91240B29-F687-4f45-9708-019B960494DF}">
-                  <a14:hiddenLine xmlns:a14="http://schemas.microsoft.com/office/drawing/2010/main" xmlns="" w="9525">
+                  <a14:hiddenLine xmlns="" xmlns:a14="http://schemas.microsoft.com/office/drawing/2010/main" w="9525">
                     <a:solidFill>
                       <a:srgbClr val="000000"/>
                     </a:solidFill>
@@ -9847,7 +9852,7 @@
               </a:ln>
               <a:extLst>
                 <a:ext uri="{91240B29-F687-4f45-9708-019B960494DF}">
-                  <a14:hiddenLine xmlns:a14="http://schemas.microsoft.com/office/drawing/2010/main" xmlns="" w="9525">
+                  <a14:hiddenLine xmlns="" xmlns:a14="http://schemas.microsoft.com/office/drawing/2010/main" w="9525">
                     <a:solidFill>
                       <a:srgbClr val="000000"/>
                     </a:solidFill>
@@ -9957,7 +9962,7 @@
               </a:ln>
               <a:extLst>
                 <a:ext uri="{91240B29-F687-4f45-9708-019B960494DF}">
-                  <a14:hiddenLine xmlns:a14="http://schemas.microsoft.com/office/drawing/2010/main" xmlns="" w="9525">
+                  <a14:hiddenLine xmlns="" xmlns:a14="http://schemas.microsoft.com/office/drawing/2010/main" w="9525">
                     <a:solidFill>
                       <a:srgbClr val="000000"/>
                     </a:solidFill>
@@ -10041,7 +10046,7 @@
               </a:ln>
               <a:extLst>
                 <a:ext uri="{91240B29-F687-4f45-9708-019B960494DF}">
-                  <a14:hiddenLine xmlns:a14="http://schemas.microsoft.com/office/drawing/2010/main" xmlns="" w="9525">
+                  <a14:hiddenLine xmlns="" xmlns:a14="http://schemas.microsoft.com/office/drawing/2010/main" w="9525">
                     <a:solidFill>
                       <a:srgbClr val="000000"/>
                     </a:solidFill>
@@ -10103,7 +10108,7 @@
               </a:ln>
               <a:extLst>
                 <a:ext uri="{91240B29-F687-4f45-9708-019B960494DF}">
-                  <a14:hiddenLine xmlns:a14="http://schemas.microsoft.com/office/drawing/2010/main" xmlns="" w="9525">
+                  <a14:hiddenLine xmlns="" xmlns:a14="http://schemas.microsoft.com/office/drawing/2010/main" w="9525">
                     <a:solidFill>
                       <a:srgbClr val="000000"/>
                     </a:solidFill>
@@ -10165,7 +10170,7 @@
               </a:ln>
               <a:extLst>
                 <a:ext uri="{91240B29-F687-4f45-9708-019B960494DF}">
-                  <a14:hiddenLine xmlns:a14="http://schemas.microsoft.com/office/drawing/2010/main" xmlns="" w="9525">
+                  <a14:hiddenLine xmlns="" xmlns:a14="http://schemas.microsoft.com/office/drawing/2010/main" w="9525">
                     <a:solidFill>
                       <a:srgbClr val="000000"/>
                     </a:solidFill>
@@ -10255,7 +10260,7 @@
               </a:ln>
               <a:extLst>
                 <a:ext uri="{91240B29-F687-4f45-9708-019B960494DF}">
-                  <a14:hiddenLine xmlns:a14="http://schemas.microsoft.com/office/drawing/2010/main" xmlns="" w="9525">
+                  <a14:hiddenLine xmlns="" xmlns:a14="http://schemas.microsoft.com/office/drawing/2010/main" w="9525">
                     <a:solidFill>
                       <a:srgbClr val="000000"/>
                     </a:solidFill>
@@ -10289,7 +10294,7 @@
               </a:ln>
               <a:extLst>
                 <a:ext uri="{91240B29-F687-4f45-9708-019B960494DF}">
-                  <a14:hiddenLine xmlns:a14="http://schemas.microsoft.com/office/drawing/2010/main" xmlns="" w="9525">
+                  <a14:hiddenLine xmlns="" xmlns:a14="http://schemas.microsoft.com/office/drawing/2010/main" w="9525">
                     <a:solidFill>
                       <a:srgbClr val="000000"/>
                     </a:solidFill>
@@ -10354,7 +10359,7 @@
               </a:ln>
               <a:extLst>
                 <a:ext uri="{91240B29-F687-4f45-9708-019B960494DF}">
-                  <a14:hiddenLine xmlns:a14="http://schemas.microsoft.com/office/drawing/2010/main" xmlns="" w="9525">
+                  <a14:hiddenLine xmlns="" xmlns:a14="http://schemas.microsoft.com/office/drawing/2010/main" w="9525">
                     <a:solidFill>
                       <a:srgbClr val="000000"/>
                     </a:solidFill>
@@ -10444,7 +10449,7 @@
               </a:ln>
               <a:extLst>
                 <a:ext uri="{91240B29-F687-4f45-9708-019B960494DF}">
-                  <a14:hiddenLine xmlns:a14="http://schemas.microsoft.com/office/drawing/2010/main" xmlns="" w="9525">
+                  <a14:hiddenLine xmlns="" xmlns:a14="http://schemas.microsoft.com/office/drawing/2010/main" w="9525">
                     <a:solidFill>
                       <a:srgbClr val="000000"/>
                     </a:solidFill>
@@ -10506,7 +10511,7 @@
               </a:ln>
               <a:extLst>
                 <a:ext uri="{91240B29-F687-4f45-9708-019B960494DF}">
-                  <a14:hiddenLine xmlns:a14="http://schemas.microsoft.com/office/drawing/2010/main" xmlns="" w="9525">
+                  <a14:hiddenLine xmlns="" xmlns:a14="http://schemas.microsoft.com/office/drawing/2010/main" w="9525">
                     <a:solidFill>
                       <a:srgbClr val="000000"/>
                     </a:solidFill>
@@ -10596,7 +10601,7 @@
               </a:ln>
               <a:extLst>
                 <a:ext uri="{91240B29-F687-4f45-9708-019B960494DF}">
-                  <a14:hiddenLine xmlns:a14="http://schemas.microsoft.com/office/drawing/2010/main" xmlns="" w="9525">
+                  <a14:hiddenLine xmlns="" xmlns:a14="http://schemas.microsoft.com/office/drawing/2010/main" w="9525">
                     <a:solidFill>
                       <a:srgbClr val="000000"/>
                     </a:solidFill>
@@ -10661,7 +10666,7 @@
               </a:ln>
               <a:extLst>
                 <a:ext uri="{91240B29-F687-4f45-9708-019B960494DF}">
-                  <a14:hiddenLine xmlns:a14="http://schemas.microsoft.com/office/drawing/2010/main" xmlns="" w="9525">
+                  <a14:hiddenLine xmlns="" xmlns:a14="http://schemas.microsoft.com/office/drawing/2010/main" w="9525">
                     <a:solidFill>
                       <a:srgbClr val="000000"/>
                     </a:solidFill>
@@ -10723,7 +10728,7 @@
               </a:ln>
               <a:extLst>
                 <a:ext uri="{91240B29-F687-4f45-9708-019B960494DF}">
-                  <a14:hiddenLine xmlns:a14="http://schemas.microsoft.com/office/drawing/2010/main" xmlns="" w="9525">
+                  <a14:hiddenLine xmlns="" xmlns:a14="http://schemas.microsoft.com/office/drawing/2010/main" w="9525">
                     <a:solidFill>
                       <a:srgbClr val="000000"/>
                     </a:solidFill>
@@ -10813,7 +10818,7 @@
               </a:ln>
               <a:extLst>
                 <a:ext uri="{91240B29-F687-4f45-9708-019B960494DF}">
-                  <a14:hiddenLine xmlns:a14="http://schemas.microsoft.com/office/drawing/2010/main" xmlns="" w="9525">
+                  <a14:hiddenLine xmlns="" xmlns:a14="http://schemas.microsoft.com/office/drawing/2010/main" w="9525">
                     <a:solidFill>
                       <a:srgbClr val="000000"/>
                     </a:solidFill>
@@ -10903,7 +10908,7 @@
               </a:ln>
               <a:extLst>
                 <a:ext uri="{91240B29-F687-4f45-9708-019B960494DF}">
-                  <a14:hiddenLine xmlns:a14="http://schemas.microsoft.com/office/drawing/2010/main" xmlns="" w="9525">
+                  <a14:hiddenLine xmlns="" xmlns:a14="http://schemas.microsoft.com/office/drawing/2010/main" w="9525">
                     <a:solidFill>
                       <a:srgbClr val="000000"/>
                     </a:solidFill>
@@ -10968,7 +10973,7 @@
               </a:ln>
               <a:extLst>
                 <a:ext uri="{91240B29-F687-4f45-9708-019B960494DF}">
-                  <a14:hiddenLine xmlns:a14="http://schemas.microsoft.com/office/drawing/2010/main" xmlns="" w="9525">
+                  <a14:hiddenLine xmlns="" xmlns:a14="http://schemas.microsoft.com/office/drawing/2010/main" w="9525">
                     <a:solidFill>
                       <a:srgbClr val="000000"/>
                     </a:solidFill>
@@ -11088,7 +11093,7 @@
               </a:ln>
               <a:extLst>
                 <a:ext uri="{91240B29-F687-4f45-9708-019B960494DF}">
-                  <a14:hiddenLine xmlns:a14="http://schemas.microsoft.com/office/drawing/2010/main" xmlns="" w="9525">
+                  <a14:hiddenLine xmlns="" xmlns:a14="http://schemas.microsoft.com/office/drawing/2010/main" w="9525">
                     <a:solidFill>
                       <a:srgbClr val="000000"/>
                     </a:solidFill>
@@ -11169,7 +11174,7 @@
               </a:ln>
               <a:extLst>
                 <a:ext uri="{91240B29-F687-4f45-9708-019B960494DF}">
-                  <a14:hiddenLine xmlns:a14="http://schemas.microsoft.com/office/drawing/2010/main" xmlns="" w="9525">
+                  <a14:hiddenLine xmlns="" xmlns:a14="http://schemas.microsoft.com/office/drawing/2010/main" w="9525">
                     <a:solidFill>
                       <a:srgbClr val="000000"/>
                     </a:solidFill>
@@ -11284,7 +11289,7 @@
               </a:ln>
               <a:extLst>
                 <a:ext uri="{91240B29-F687-4f45-9708-019B960494DF}">
-                  <a14:hiddenLine xmlns:a14="http://schemas.microsoft.com/office/drawing/2010/main" xmlns="" w="9525">
+                  <a14:hiddenLine xmlns="" xmlns:a14="http://schemas.microsoft.com/office/drawing/2010/main" w="9525">
                     <a:solidFill>
                       <a:srgbClr val="000000"/>
                     </a:solidFill>
@@ -11374,7 +11379,7 @@
               </a:ln>
               <a:extLst>
                 <a:ext uri="{91240B29-F687-4f45-9708-019B960494DF}">
-                  <a14:hiddenLine xmlns:a14="http://schemas.microsoft.com/office/drawing/2010/main" xmlns="" w="9525">
+                  <a14:hiddenLine xmlns="" xmlns:a14="http://schemas.microsoft.com/office/drawing/2010/main" w="9525">
                     <a:solidFill>
                       <a:srgbClr val="000000"/>
                     </a:solidFill>
@@ -11439,7 +11444,7 @@
               </a:ln>
               <a:extLst>
                 <a:ext uri="{91240B29-F687-4f45-9708-019B960494DF}">
-                  <a14:hiddenLine xmlns:a14="http://schemas.microsoft.com/office/drawing/2010/main" xmlns="" w="9525">
+                  <a14:hiddenLine xmlns="" xmlns:a14="http://schemas.microsoft.com/office/drawing/2010/main" w="9525">
                     <a:solidFill>
                       <a:srgbClr val="000000"/>
                     </a:solidFill>
@@ -11529,7 +11534,7 @@
               </a:ln>
               <a:extLst>
                 <a:ext uri="{91240B29-F687-4f45-9708-019B960494DF}">
-                  <a14:hiddenLine xmlns:a14="http://schemas.microsoft.com/office/drawing/2010/main" xmlns="" w="9525">
+                  <a14:hiddenLine xmlns="" xmlns:a14="http://schemas.microsoft.com/office/drawing/2010/main" w="9525">
                     <a:solidFill>
                       <a:srgbClr val="000000"/>
                     </a:solidFill>
@@ -11597,7 +11602,7 @@
               </a:ln>
               <a:extLst>
                 <a:ext uri="{91240B29-F687-4f45-9708-019B960494DF}">
-                  <a14:hiddenLine xmlns:a14="http://schemas.microsoft.com/office/drawing/2010/main" xmlns="" w="9525">
+                  <a14:hiddenLine xmlns="" xmlns:a14="http://schemas.microsoft.com/office/drawing/2010/main" w="9525">
                     <a:solidFill>
                       <a:srgbClr val="000000"/>
                     </a:solidFill>
@@ -11687,7 +11692,7 @@
               </a:ln>
               <a:extLst>
                 <a:ext uri="{91240B29-F687-4f45-9708-019B960494DF}">
-                  <a14:hiddenLine xmlns:a14="http://schemas.microsoft.com/office/drawing/2010/main" xmlns="" w="9525">
+                  <a14:hiddenLine xmlns="" xmlns:a14="http://schemas.microsoft.com/office/drawing/2010/main" w="9525">
                     <a:solidFill>
                       <a:srgbClr val="000000"/>
                     </a:solidFill>
@@ -11755,7 +11760,7 @@
               </a:ln>
               <a:extLst>
                 <a:ext uri="{91240B29-F687-4f45-9708-019B960494DF}">
-                  <a14:hiddenLine xmlns:a14="http://schemas.microsoft.com/office/drawing/2010/main" xmlns="" w="9525">
+                  <a14:hiddenLine xmlns="" xmlns:a14="http://schemas.microsoft.com/office/drawing/2010/main" w="9525">
                     <a:solidFill>
                       <a:srgbClr val="000000"/>
                     </a:solidFill>
@@ -11845,7 +11850,7 @@
               </a:ln>
               <a:extLst>
                 <a:ext uri="{91240B29-F687-4f45-9708-019B960494DF}">
-                  <a14:hiddenLine xmlns:a14="http://schemas.microsoft.com/office/drawing/2010/main" xmlns="" w="9525">
+                  <a14:hiddenLine xmlns="" xmlns:a14="http://schemas.microsoft.com/office/drawing/2010/main" w="9525">
                     <a:solidFill>
                       <a:srgbClr val="000000"/>
                     </a:solidFill>
@@ -11879,7 +11884,7 @@
               </a:ln>
               <a:extLst>
                 <a:ext uri="{91240B29-F687-4f45-9708-019B960494DF}">
-                  <a14:hiddenLine xmlns:a14="http://schemas.microsoft.com/office/drawing/2010/main" xmlns="" w="9525">
+                  <a14:hiddenLine xmlns="" xmlns:a14="http://schemas.microsoft.com/office/drawing/2010/main" w="9525">
                     <a:solidFill>
                       <a:srgbClr val="000000"/>
                     </a:solidFill>
@@ -12453,8 +12458,8 @@
         </p:nvSpPr>
         <p:spPr>
           <a:xfrm>
-            <a:off x="3662265" y="2034074"/>
-            <a:ext cx="8126963" cy="1015663"/>
+            <a:off x="2473343" y="2446450"/>
+            <a:ext cx="8126963" cy="1107996"/>
           </a:xfrm>
           <a:prstGeom prst="rect">
             <a:avLst/>
@@ -12468,8 +12473,8 @@
           <a:lstStyle/>
           <a:p>
             <a:r>
-              <a:rPr lang="en-IN" sz="6000" dirty="0">
-                <a:latin typeface="+mj-lt"/>
+              <a:rPr lang="en-IN" sz="6600" dirty="0">
+                <a:latin typeface="Algerian" panose="04020705040A02060702" pitchFamily="82" charset="0"/>
               </a:rPr>
               <a:t>Josephus problem</a:t>
             </a:r>
@@ -12490,7 +12495,7 @@
         </p:nvSpPr>
         <p:spPr>
           <a:xfrm>
-            <a:off x="7935686" y="4343400"/>
+            <a:off x="7935686" y="4758898"/>
             <a:ext cx="3853542" cy="1631216"/>
           </a:xfrm>
           <a:prstGeom prst="rect">
@@ -12558,7 +12563,7 @@
         </p:nvSpPr>
         <p:spPr>
           <a:xfrm>
-            <a:off x="2853612" y="4346424"/>
+            <a:off x="2683283" y="4758898"/>
             <a:ext cx="3853542" cy="800219"/>
           </a:xfrm>
           <a:prstGeom prst="rect">
@@ -12580,7 +12585,7 @@
           <a:p>
             <a:r>
               <a:rPr lang="en-US" dirty="0"/>
-              <a:t>Sharmila</a:t>
+              <a:t>Sharmila KP</a:t>
             </a:r>
           </a:p>
         </p:txBody>
@@ -12659,8 +12664,8 @@
         </p:nvSpPr>
         <p:spPr>
           <a:xfrm>
-            <a:off x="3470988" y="2332653"/>
-            <a:ext cx="3088432" cy="369332"/>
+            <a:off x="1606329" y="476959"/>
+            <a:ext cx="3088432" cy="523220"/>
           </a:xfrm>
           <a:prstGeom prst="rect">
             <a:avLst/>
@@ -12674,10 +12679,14 @@
           <a:lstStyle/>
           <a:p>
             <a:r>
-              <a:rPr lang="en-US" dirty="0"/>
-              <a:t>Working of code</a:t>
+              <a:rPr lang="en-US" sz="2800" dirty="0">
+                <a:latin typeface="Berlin Sans FB Demi" panose="020E0802020502020306" pitchFamily="34" charset="0"/>
+              </a:rPr>
+              <a:t>Working of code:</a:t>
             </a:r>
-            <a:endParaRPr lang="en-IN" dirty="0"/>
+            <a:endParaRPr lang="en-IN" sz="2800" dirty="0">
+              <a:latin typeface="Berlin Sans FB Demi" panose="020E0802020502020306" pitchFamily="34" charset="0"/>
+            </a:endParaRPr>
           </a:p>
         </p:txBody>
       </p:sp>
@@ -12785,7 +12794,7 @@
         </p:nvSpPr>
         <p:spPr>
           <a:xfrm>
-            <a:off x="1" y="0"/>
+            <a:off x="-358587" y="143435"/>
             <a:ext cx="12192000" cy="1015663"/>
           </a:xfrm>
           <a:prstGeom prst="rect">
@@ -12806,6 +12815,84 @@
               </a:rPr>
               <a:t>Acknowledgement </a:t>
             </a:r>
+          </a:p>
+        </p:txBody>
+      </p:sp>
+      <p:sp>
+        <p:nvSpPr>
+          <p:cNvPr id="2" name="TextBox 1">
+            <a:extLst>
+              <a:ext uri="{FF2B5EF4-FFF2-40B4-BE49-F238E27FC236}">
+                <a16:creationId xmlns:a16="http://schemas.microsoft.com/office/drawing/2014/main" id="{54579CBE-C2DB-4129-BED7-B48103B34CDC}"/>
+              </a:ext>
+            </a:extLst>
+          </p:cNvPr>
+          <p:cNvSpPr txBox="1"/>
+          <p:nvPr/>
+        </p:nvSpPr>
+        <p:spPr>
+          <a:xfrm>
+            <a:off x="5091954" y="1347827"/>
+            <a:ext cx="5665694" cy="4801314"/>
+          </a:xfrm>
+          <a:prstGeom prst="rect">
+            <a:avLst/>
+          </a:prstGeom>
+          <a:noFill/>
+        </p:spPr>
+        <p:txBody>
+          <a:bodyPr wrap="square" rtlCol="0">
+            <a:spAutoFit/>
+          </a:bodyPr>
+          <a:lstStyle/>
+          <a:p>
+            <a:r>
+              <a:rPr lang="en-US" dirty="0"/>
+              <a:t>First and foremost, I would like to thank our Teacher </a:t>
+            </a:r>
+          </a:p>
+          <a:p>
+            <a:r>
+              <a:rPr lang="en-US" dirty="0"/>
+              <a:t>Mrs. Sharmila KP who guided us through out this assignment. </a:t>
+            </a:r>
+          </a:p>
+          <a:p>
+            <a:endParaRPr lang="en-US" dirty="0"/>
+          </a:p>
+          <a:p>
+            <a:r>
+              <a:rPr lang="en-US" dirty="0"/>
+              <a:t>She provided us with invaluable advice and helped us a lot. </a:t>
+            </a:r>
+          </a:p>
+          <a:p>
+            <a:endParaRPr lang="en-US" dirty="0"/>
+          </a:p>
+          <a:p>
+            <a:r>
+              <a:rPr lang="en-US" dirty="0"/>
+              <a:t>Her motivation and help contributed tremendously to the successful completion of the assignment. </a:t>
+            </a:r>
+          </a:p>
+          <a:p>
+            <a:endParaRPr lang="en-US" dirty="0"/>
+          </a:p>
+          <a:p>
+            <a:r>
+              <a:rPr lang="en-US" dirty="0"/>
+              <a:t>Besides, we would like to thank our fellow members who helped us by giving us advice and providing the valuable strategy which we needed.</a:t>
+            </a:r>
+          </a:p>
+          <a:p>
+            <a:endParaRPr lang="en-US" dirty="0"/>
+          </a:p>
+          <a:p>
+            <a:r>
+              <a:rPr lang="en-US" dirty="0"/>
+              <a:t>At last but not least, we would like to thank everyone who helped and motivated us to work on this assignment.</a:t>
+            </a:r>
+            <a:endParaRPr lang="en-IN" dirty="0"/>
           </a:p>
         </p:txBody>
       </p:sp>
@@ -12853,8 +12940,8 @@
         </p:nvSpPr>
         <p:spPr>
           <a:xfrm>
-            <a:off x="4786604" y="2948473"/>
-            <a:ext cx="8397551" cy="369332"/>
+            <a:off x="2877492" y="3075057"/>
+            <a:ext cx="6678885" cy="707886"/>
           </a:xfrm>
           <a:prstGeom prst="rect">
             <a:avLst/>
@@ -12869,11 +12956,15 @@
           <a:p>
             <a:pPr algn="just"/>
             <a:r>
-              <a:rPr lang="en-US" dirty="0"/>
+              <a:rPr lang="en-US" sz="4000" dirty="0">
+                <a:latin typeface="Bahnschrift SemiBold" panose="020B0502040204020203" pitchFamily="34" charset="0"/>
+              </a:rPr>
               <a:t>What is </a:t>
             </a:r>
             <a:r>
-              <a:rPr lang="en-IN" dirty="0"/>
+              <a:rPr lang="en-IN" sz="4000" dirty="0">
+                <a:latin typeface="Bahnschrift SemiBold" panose="020B0502040204020203" pitchFamily="34" charset="0"/>
+              </a:rPr>
               <a:t>Josephus problem?</a:t>
             </a:r>
           </a:p>
@@ -12923,8 +13014,8 @@
         </p:nvSpPr>
         <p:spPr>
           <a:xfrm>
-            <a:off x="1240971" y="2056627"/>
-            <a:ext cx="10170367" cy="2308324"/>
+            <a:off x="1716099" y="1563568"/>
+            <a:ext cx="9453923" cy="3508653"/>
           </a:xfrm>
           <a:prstGeom prst="rect">
             <a:avLst/>
@@ -12938,16 +13029,19 @@
           <a:lstStyle/>
           <a:p>
             <a:r>
-              <a:rPr lang="en-US" dirty="0"/>
+              <a:rPr lang="en-US" sz="2400" dirty="0"/>
               <a:t>Problem statement:</a:t>
             </a:r>
           </a:p>
           <a:p>
+            <a:endParaRPr lang="en-US" dirty="0"/>
+          </a:p>
+          <a:p>
             <a:r>
-              <a:rPr lang="en-US" dirty="0"/>
-              <a:t>There are n people standing in a circle waiting to be executed. The counting out begins at some point in the circle and proceeds around the circle in a fixed direction. In each step, a certain number of people are skipped and the next person is executed. The elimination proceeds around the circle (which is becoming smaller and smaller as the executed people are removed), until only the last person remains, who is given freedom. Given the total number of persons n and a number k which indicates that k-1 persons are skipped and kth person is killed in circle. The task is to choose the place in the initial circle so that you are the last one remaining and so survive</a:t>
+              <a:rPr lang="en-US" sz="2000" dirty="0"/>
+              <a:t>There are n people standing in a circle waiting to be executed. The counting out begins at some point in the circle and proceeds around the circle in a fixed direction. In each step, a certain number of people are skipped and the next person is executed. The elimination proceeds around the circle (which is becoming smaller and smaller as the executed people are removed), until only the last person remains, who is given freedom. Given the total number of persons n and a number k which indicates that k-1 persons are skipped and kth person is killed in circle. The task is to choose the place in the initial circle so that you are the last one remaining and so survive.</a:t>
             </a:r>
-            <a:endParaRPr lang="en-IN" dirty="0"/>
+            <a:endParaRPr lang="en-IN" sz="2000" dirty="0"/>
           </a:p>
         </p:txBody>
       </p:sp>
@@ -12995,8 +13089,8 @@
         </p:nvSpPr>
         <p:spPr>
           <a:xfrm>
-            <a:off x="5139305" y="2667410"/>
-            <a:ext cx="3461657" cy="646331"/>
+            <a:off x="842683" y="2559834"/>
+            <a:ext cx="10650070" cy="1323439"/>
           </a:xfrm>
           <a:prstGeom prst="rect">
             <a:avLst/>
@@ -13011,17 +13105,23 @@
           <a:p>
             <a:pPr algn="ctr"/>
             <a:r>
-              <a:rPr lang="en-US" dirty="0"/>
+              <a:rPr lang="en-US" sz="4000" dirty="0">
+                <a:latin typeface="Comic Sans MS" panose="030F0702030302020204" pitchFamily="66" charset="0"/>
+              </a:rPr>
               <a:t>Example:</a:t>
             </a:r>
           </a:p>
           <a:p>
             <a:pPr algn="ctr"/>
             <a:r>
-              <a:rPr lang="en-US" dirty="0"/>
+              <a:rPr lang="en-US" sz="4000" dirty="0">
+                <a:latin typeface="Comic Sans MS" panose="030F0702030302020204" pitchFamily="66" charset="0"/>
+              </a:rPr>
               <a:t>If we take n=8 and k=3</a:t>
             </a:r>
-            <a:endParaRPr lang="en-IN" dirty="0"/>
+            <a:endParaRPr lang="en-IN" sz="4000" dirty="0">
+              <a:latin typeface="Comic Sans MS" panose="030F0702030302020204" pitchFamily="66" charset="0"/>
+            </a:endParaRPr>
           </a:p>
         </p:txBody>
       </p:sp>
@@ -14963,7 +15063,7 @@
         </p:nvSpPr>
         <p:spPr>
           <a:xfrm rot="12077120">
-            <a:off x="7336068" y="1753300"/>
+            <a:off x="7336068" y="1753299"/>
             <a:ext cx="1748534" cy="4858890"/>
           </a:xfrm>
           <a:prstGeom prst="curvedRightArrow">
@@ -15127,13 +15227,13 @@
   <p:clrMapOvr>
     <a:masterClrMapping/>
   </p:clrMapOvr>
-  <mc:AlternateContent xmlns:mc="http://schemas.openxmlformats.org/markup-compatibility/2006">
-    <mc:Choice xmlns:p14="http://schemas.microsoft.com/office/powerpoint/2010/main" Requires="p14">
+  <mc:AlternateContent xmlns:mc="http://schemas.openxmlformats.org/markup-compatibility/2006" xmlns:p14="http://schemas.microsoft.com/office/powerpoint/2010/main">
+    <mc:Choice Requires="p14">
       <p:transition spd="slow" p14:dur="1500" advClick="0" advTm="0">
         <p:circle/>
       </p:transition>
     </mc:Choice>
-    <mc:Fallback>
+    <mc:Fallback xmlns="">
       <p:transition spd="slow" advClick="0" advTm="0">
         <p:circle/>
       </p:transition>
@@ -17126,8 +17226,8 @@
         </p:nvSpPr>
         <p:spPr>
           <a:xfrm>
-            <a:off x="3648269" y="2090057"/>
-            <a:ext cx="3265715" cy="369332"/>
+            <a:off x="1631209" y="503304"/>
+            <a:ext cx="5495731" cy="400110"/>
           </a:xfrm>
           <a:prstGeom prst="rect">
             <a:avLst/>
@@ -17141,10 +17241,14 @@
           <a:lstStyle/>
           <a:p>
             <a:r>
-              <a:rPr lang="en-US" dirty="0"/>
-              <a:t>Code using circular linked list</a:t>
+              <a:rPr lang="en-US" sz="2000" dirty="0">
+                <a:latin typeface="Algerian" panose="04020705040A02060702" pitchFamily="82" charset="0"/>
+              </a:rPr>
+              <a:t>Code using Circular Linked List:</a:t>
             </a:r>
-            <a:endParaRPr lang="en-IN" dirty="0"/>
+            <a:endParaRPr lang="en-IN" sz="2000" dirty="0">
+              <a:latin typeface="Algerian" panose="04020705040A02060702" pitchFamily="82" charset="0"/>
+            </a:endParaRPr>
           </a:p>
         </p:txBody>
       </p:sp>
@@ -17222,8 +17326,8 @@
         </p:nvSpPr>
         <p:spPr>
           <a:xfrm>
-            <a:off x="4189445" y="2855167"/>
-            <a:ext cx="3676261" cy="369332"/>
+            <a:off x="1751045" y="443661"/>
+            <a:ext cx="3676261" cy="400110"/>
           </a:xfrm>
           <a:prstGeom prst="rect">
             <a:avLst/>
@@ -17237,14 +17341,14 @@
           <a:lstStyle/>
           <a:p>
             <a:r>
-              <a:rPr lang="en-US" dirty="0" err="1"/>
-              <a:t>Code:using</a:t>
+              <a:rPr lang="en-US" sz="2000" dirty="0">
+                <a:latin typeface="Algerian" panose="04020705040A02060702" pitchFamily="82" charset="0"/>
+              </a:rPr>
+              <a:t>Code Using Recursion:</a:t>
             </a:r>
-            <a:r>
-              <a:rPr lang="en-US" dirty="0"/>
-              <a:t> recursion</a:t>
-            </a:r>
-            <a:endParaRPr lang="en-IN" dirty="0"/>
+            <a:endParaRPr lang="en-IN" sz="2000" dirty="0">
+              <a:latin typeface="Algerian" panose="04020705040A02060702" pitchFamily="82" charset="0"/>
+            </a:endParaRPr>
           </a:p>
         </p:txBody>
       </p:sp>

--- a/presentaiton.pptx
+++ b/presentaiton.pptx
@@ -181,7 +181,7 @@
           <a:noFill/>
           <a:extLst>
             <a:ext uri="{909E8E84-426E-40dd-AFC4-6F175D3DCCD1}">
-              <a14:hiddenFill xmlns="" xmlns:a14="http://schemas.microsoft.com/office/drawing/2010/main">
+              <a14:hiddenFill xmlns:a14="http://schemas.microsoft.com/office/drawing/2010/main" xmlns="">
                 <a:solidFill>
                   <a:srgbClr val="FFFFFF"/>
                 </a:solidFill>
@@ -240,7 +240,7 @@
             </a:ln>
             <a:extLst>
               <a:ext uri="{91240B29-F687-4f45-9708-019B960494DF}">
-                <a14:hiddenLine xmlns="" xmlns:a14="http://schemas.microsoft.com/office/drawing/2010/main" w="9525">
+                <a14:hiddenLine xmlns:a14="http://schemas.microsoft.com/office/drawing/2010/main" xmlns="" w="9525">
                   <a:solidFill>
                     <a:srgbClr val="000000"/>
                   </a:solidFill>
@@ -330,7 +330,7 @@
             </a:ln>
             <a:extLst>
               <a:ext uri="{91240B29-F687-4f45-9708-019B960494DF}">
-                <a14:hiddenLine xmlns="" xmlns:a14="http://schemas.microsoft.com/office/drawing/2010/main" w="9525">
+                <a14:hiddenLine xmlns:a14="http://schemas.microsoft.com/office/drawing/2010/main" xmlns="" w="9525">
                   <a:solidFill>
                     <a:srgbClr val="000000"/>
                   </a:solidFill>
@@ -420,7 +420,7 @@
             </a:ln>
             <a:extLst>
               <a:ext uri="{91240B29-F687-4f45-9708-019B960494DF}">
-                <a14:hiddenLine xmlns="" xmlns:a14="http://schemas.microsoft.com/office/drawing/2010/main" w="9525">
+                <a14:hiddenLine xmlns:a14="http://schemas.microsoft.com/office/drawing/2010/main" xmlns="" w="9525">
                   <a:solidFill>
                     <a:srgbClr val="000000"/>
                   </a:solidFill>
@@ -454,7 +454,7 @@
             </a:ln>
             <a:extLst>
               <a:ext uri="{91240B29-F687-4f45-9708-019B960494DF}">
-                <a14:hiddenLine xmlns="" xmlns:a14="http://schemas.microsoft.com/office/drawing/2010/main" w="9525">
+                <a14:hiddenLine xmlns:a14="http://schemas.microsoft.com/office/drawing/2010/main" xmlns="" w="9525">
                   <a:solidFill>
                     <a:srgbClr val="000000"/>
                   </a:solidFill>
@@ -544,7 +544,7 @@
             </a:ln>
             <a:extLst>
               <a:ext uri="{91240B29-F687-4f45-9708-019B960494DF}">
-                <a14:hiddenLine xmlns="" xmlns:a14="http://schemas.microsoft.com/office/drawing/2010/main" w="9525">
+                <a14:hiddenLine xmlns:a14="http://schemas.microsoft.com/office/drawing/2010/main" xmlns="" w="9525">
                   <a:solidFill>
                     <a:srgbClr val="000000"/>
                   </a:solidFill>
@@ -606,7 +606,7 @@
             </a:ln>
             <a:extLst>
               <a:ext uri="{91240B29-F687-4f45-9708-019B960494DF}">
-                <a14:hiddenLine xmlns="" xmlns:a14="http://schemas.microsoft.com/office/drawing/2010/main" w="9525">
+                <a14:hiddenLine xmlns:a14="http://schemas.microsoft.com/office/drawing/2010/main" xmlns="" w="9525">
                   <a:solidFill>
                     <a:srgbClr val="000000"/>
                   </a:solidFill>
@@ -668,7 +668,7 @@
             </a:ln>
             <a:extLst>
               <a:ext uri="{91240B29-F687-4f45-9708-019B960494DF}">
-                <a14:hiddenLine xmlns="" xmlns:a14="http://schemas.microsoft.com/office/drawing/2010/main" w="9525">
+                <a14:hiddenLine xmlns:a14="http://schemas.microsoft.com/office/drawing/2010/main" xmlns="" w="9525">
                   <a:solidFill>
                     <a:srgbClr val="000000"/>
                   </a:solidFill>
@@ -758,7 +758,7 @@
             </a:ln>
             <a:extLst>
               <a:ext uri="{91240B29-F687-4f45-9708-019B960494DF}">
-                <a14:hiddenLine xmlns="" xmlns:a14="http://schemas.microsoft.com/office/drawing/2010/main" w="9525">
+                <a14:hiddenLine xmlns:a14="http://schemas.microsoft.com/office/drawing/2010/main" xmlns="" w="9525">
                   <a:solidFill>
                     <a:srgbClr val="000000"/>
                   </a:solidFill>
@@ -820,7 +820,7 @@
             </a:ln>
             <a:extLst>
               <a:ext uri="{91240B29-F687-4f45-9708-019B960494DF}">
-                <a14:hiddenLine xmlns="" xmlns:a14="http://schemas.microsoft.com/office/drawing/2010/main" w="9525">
+                <a14:hiddenLine xmlns:a14="http://schemas.microsoft.com/office/drawing/2010/main" xmlns="" w="9525">
                   <a:solidFill>
                     <a:srgbClr val="000000"/>
                   </a:solidFill>
@@ -882,7 +882,7 @@
             </a:ln>
             <a:extLst>
               <a:ext uri="{91240B29-F687-4f45-9708-019B960494DF}">
-                <a14:hiddenLine xmlns="" xmlns:a14="http://schemas.microsoft.com/office/drawing/2010/main" w="9525">
+                <a14:hiddenLine xmlns:a14="http://schemas.microsoft.com/office/drawing/2010/main" xmlns="" w="9525">
                   <a:solidFill>
                     <a:srgbClr val="000000"/>
                   </a:solidFill>
@@ -972,7 +972,7 @@
             </a:ln>
             <a:extLst>
               <a:ext uri="{91240B29-F687-4f45-9708-019B960494DF}">
-                <a14:hiddenLine xmlns="" xmlns:a14="http://schemas.microsoft.com/office/drawing/2010/main" w="9525">
+                <a14:hiddenLine xmlns:a14="http://schemas.microsoft.com/office/drawing/2010/main" xmlns="" w="9525">
                   <a:solidFill>
                     <a:srgbClr val="000000"/>
                   </a:solidFill>
@@ -1062,7 +1062,7 @@
             </a:ln>
             <a:extLst>
               <a:ext uri="{91240B29-F687-4f45-9708-019B960494DF}">
-                <a14:hiddenLine xmlns="" xmlns:a14="http://schemas.microsoft.com/office/drawing/2010/main" w="9525">
+                <a14:hiddenLine xmlns:a14="http://schemas.microsoft.com/office/drawing/2010/main" xmlns="" w="9525">
                   <a:solidFill>
                     <a:srgbClr val="000000"/>
                   </a:solidFill>
@@ -1124,7 +1124,7 @@
             </a:ln>
             <a:extLst>
               <a:ext uri="{91240B29-F687-4f45-9708-019B960494DF}">
-                <a14:hiddenLine xmlns="" xmlns:a14="http://schemas.microsoft.com/office/drawing/2010/main" w="9525">
+                <a14:hiddenLine xmlns:a14="http://schemas.microsoft.com/office/drawing/2010/main" xmlns="" w="9525">
                   <a:solidFill>
                     <a:srgbClr val="000000"/>
                   </a:solidFill>
@@ -1234,7 +1234,7 @@
             </a:ln>
             <a:extLst>
               <a:ext uri="{91240B29-F687-4f45-9708-019B960494DF}">
-                <a14:hiddenLine xmlns="" xmlns:a14="http://schemas.microsoft.com/office/drawing/2010/main" w="9525">
+                <a14:hiddenLine xmlns:a14="http://schemas.microsoft.com/office/drawing/2010/main" xmlns="" w="9525">
                   <a:solidFill>
                     <a:srgbClr val="000000"/>
                   </a:solidFill>
@@ -1296,7 +1296,7 @@
             </a:ln>
             <a:extLst>
               <a:ext uri="{91240B29-F687-4f45-9708-019B960494DF}">
-                <a14:hiddenLine xmlns="" xmlns:a14="http://schemas.microsoft.com/office/drawing/2010/main" w="9525">
+                <a14:hiddenLine xmlns:a14="http://schemas.microsoft.com/office/drawing/2010/main" xmlns="" w="9525">
                   <a:solidFill>
                     <a:srgbClr val="000000"/>
                   </a:solidFill>
@@ -1386,7 +1386,7 @@
             </a:ln>
             <a:extLst>
               <a:ext uri="{91240B29-F687-4f45-9708-019B960494DF}">
-                <a14:hiddenLine xmlns="" xmlns:a14="http://schemas.microsoft.com/office/drawing/2010/main" w="9525">
+                <a14:hiddenLine xmlns:a14="http://schemas.microsoft.com/office/drawing/2010/main" xmlns="" w="9525">
                   <a:solidFill>
                     <a:srgbClr val="000000"/>
                   </a:solidFill>
@@ -1476,7 +1476,7 @@
             </a:ln>
             <a:extLst>
               <a:ext uri="{91240B29-F687-4f45-9708-019B960494DF}">
-                <a14:hiddenLine xmlns="" xmlns:a14="http://schemas.microsoft.com/office/drawing/2010/main" w="9525">
+                <a14:hiddenLine xmlns:a14="http://schemas.microsoft.com/office/drawing/2010/main" xmlns="" w="9525">
                   <a:solidFill>
                     <a:srgbClr val="000000"/>
                   </a:solidFill>
@@ -1538,7 +1538,7 @@
             </a:ln>
             <a:extLst>
               <a:ext uri="{91240B29-F687-4f45-9708-019B960494DF}">
-                <a14:hiddenLine xmlns="" xmlns:a14="http://schemas.microsoft.com/office/drawing/2010/main" w="9525">
+                <a14:hiddenLine xmlns:a14="http://schemas.microsoft.com/office/drawing/2010/main" xmlns="" w="9525">
                   <a:solidFill>
                     <a:srgbClr val="000000"/>
                   </a:solidFill>
@@ -1628,7 +1628,7 @@
             </a:ln>
             <a:extLst>
               <a:ext uri="{91240B29-F687-4f45-9708-019B960494DF}">
-                <a14:hiddenLine xmlns="" xmlns:a14="http://schemas.microsoft.com/office/drawing/2010/main" w="9525">
+                <a14:hiddenLine xmlns:a14="http://schemas.microsoft.com/office/drawing/2010/main" xmlns="" w="9525">
                   <a:solidFill>
                     <a:srgbClr val="000000"/>
                   </a:solidFill>
@@ -1718,7 +1718,7 @@
             </a:ln>
             <a:extLst>
               <a:ext uri="{91240B29-F687-4f45-9708-019B960494DF}">
-                <a14:hiddenLine xmlns="" xmlns:a14="http://schemas.microsoft.com/office/drawing/2010/main" w="9525">
+                <a14:hiddenLine xmlns:a14="http://schemas.microsoft.com/office/drawing/2010/main" xmlns="" w="9525">
                   <a:solidFill>
                     <a:srgbClr val="000000"/>
                   </a:solidFill>
@@ -1774,7 +1774,7 @@
             </a:ln>
             <a:extLst>
               <a:ext uri="{91240B29-F687-4f45-9708-019B960494DF}">
-                <a14:hiddenLine xmlns="" xmlns:a14="http://schemas.microsoft.com/office/drawing/2010/main" w="9525">
+                <a14:hiddenLine xmlns:a14="http://schemas.microsoft.com/office/drawing/2010/main" xmlns="" w="9525">
                   <a:solidFill>
                     <a:srgbClr val="000000"/>
                   </a:solidFill>
@@ -1864,7 +1864,7 @@
             </a:ln>
             <a:extLst>
               <a:ext uri="{91240B29-F687-4f45-9708-019B960494DF}">
-                <a14:hiddenLine xmlns="" xmlns:a14="http://schemas.microsoft.com/office/drawing/2010/main" w="9525">
+                <a14:hiddenLine xmlns:a14="http://schemas.microsoft.com/office/drawing/2010/main" xmlns="" w="9525">
                   <a:solidFill>
                     <a:srgbClr val="000000"/>
                   </a:solidFill>
@@ -1920,7 +1920,7 @@
             </a:ln>
             <a:extLst>
               <a:ext uri="{91240B29-F687-4f45-9708-019B960494DF}">
-                <a14:hiddenLine xmlns="" xmlns:a14="http://schemas.microsoft.com/office/drawing/2010/main" w="9525">
+                <a14:hiddenLine xmlns:a14="http://schemas.microsoft.com/office/drawing/2010/main" xmlns="" w="9525">
                   <a:solidFill>
                     <a:srgbClr val="000000"/>
                   </a:solidFill>
@@ -2010,7 +2010,7 @@
             </a:ln>
             <a:extLst>
               <a:ext uri="{91240B29-F687-4f45-9708-019B960494DF}">
-                <a14:hiddenLine xmlns="" xmlns:a14="http://schemas.microsoft.com/office/drawing/2010/main" w="9525">
+                <a14:hiddenLine xmlns:a14="http://schemas.microsoft.com/office/drawing/2010/main" xmlns="" w="9525">
                   <a:solidFill>
                     <a:srgbClr val="000000"/>
                   </a:solidFill>
@@ -2078,7 +2078,7 @@
             </a:ln>
             <a:extLst>
               <a:ext uri="{91240B29-F687-4f45-9708-019B960494DF}">
-                <a14:hiddenLine xmlns="" xmlns:a14="http://schemas.microsoft.com/office/drawing/2010/main" w="9525">
+                <a14:hiddenLine xmlns:a14="http://schemas.microsoft.com/office/drawing/2010/main" xmlns="" w="9525">
                   <a:solidFill>
                     <a:srgbClr val="000000"/>
                   </a:solidFill>
@@ -2168,7 +2168,7 @@
             </a:ln>
             <a:extLst>
               <a:ext uri="{91240B29-F687-4f45-9708-019B960494DF}">
-                <a14:hiddenLine xmlns="" xmlns:a14="http://schemas.microsoft.com/office/drawing/2010/main" w="9525">
+                <a14:hiddenLine xmlns:a14="http://schemas.microsoft.com/office/drawing/2010/main" xmlns="" w="9525">
                   <a:solidFill>
                     <a:srgbClr val="000000"/>
                   </a:solidFill>
@@ -2236,7 +2236,7 @@
             </a:ln>
             <a:extLst>
               <a:ext uri="{91240B29-F687-4f45-9708-019B960494DF}">
-                <a14:hiddenLine xmlns="" xmlns:a14="http://schemas.microsoft.com/office/drawing/2010/main" w="9525">
+                <a14:hiddenLine xmlns:a14="http://schemas.microsoft.com/office/drawing/2010/main" xmlns="" w="9525">
                   <a:solidFill>
                     <a:srgbClr val="000000"/>
                   </a:solidFill>
@@ -2326,7 +2326,7 @@
             </a:ln>
             <a:extLst>
               <a:ext uri="{91240B29-F687-4f45-9708-019B960494DF}">
-                <a14:hiddenLine xmlns="" xmlns:a14="http://schemas.microsoft.com/office/drawing/2010/main" w="9525">
+                <a14:hiddenLine xmlns:a14="http://schemas.microsoft.com/office/drawing/2010/main" xmlns="" w="9525">
                   <a:solidFill>
                     <a:srgbClr val="000000"/>
                   </a:solidFill>
@@ -2360,7 +2360,7 @@
             </a:ln>
             <a:extLst>
               <a:ext uri="{91240B29-F687-4f45-9708-019B960494DF}">
-                <a14:hiddenLine xmlns="" xmlns:a14="http://schemas.microsoft.com/office/drawing/2010/main" w="9525">
+                <a14:hiddenLine xmlns:a14="http://schemas.microsoft.com/office/drawing/2010/main" xmlns="" w="9525">
                   <a:solidFill>
                     <a:srgbClr val="000000"/>
                   </a:solidFill>
@@ -2450,7 +2450,7 @@
             </a:ln>
             <a:extLst>
               <a:ext uri="{91240B29-F687-4f45-9708-019B960494DF}">
-                <a14:hiddenLine xmlns="" xmlns:a14="http://schemas.microsoft.com/office/drawing/2010/main" w="9525">
+                <a14:hiddenLine xmlns:a14="http://schemas.microsoft.com/office/drawing/2010/main" xmlns="" w="9525">
                   <a:solidFill>
                     <a:srgbClr val="000000"/>
                   </a:solidFill>
@@ -2512,7 +2512,7 @@
             </a:ln>
             <a:extLst>
               <a:ext uri="{91240B29-F687-4f45-9708-019B960494DF}">
-                <a14:hiddenLine xmlns="" xmlns:a14="http://schemas.microsoft.com/office/drawing/2010/main" w="9525">
+                <a14:hiddenLine xmlns:a14="http://schemas.microsoft.com/office/drawing/2010/main" xmlns="" w="9525">
                   <a:solidFill>
                     <a:srgbClr val="000000"/>
                   </a:solidFill>
@@ -2574,7 +2574,7 @@
             </a:ln>
             <a:extLst>
               <a:ext uri="{91240B29-F687-4f45-9708-019B960494DF}">
-                <a14:hiddenLine xmlns="" xmlns:a14="http://schemas.microsoft.com/office/drawing/2010/main" w="9525">
+                <a14:hiddenLine xmlns:a14="http://schemas.microsoft.com/office/drawing/2010/main" xmlns="" w="9525">
                   <a:solidFill>
                     <a:srgbClr val="000000"/>
                   </a:solidFill>
@@ -2664,7 +2664,7 @@
             </a:ln>
             <a:extLst>
               <a:ext uri="{91240B29-F687-4f45-9708-019B960494DF}">
-                <a14:hiddenLine xmlns="" xmlns:a14="http://schemas.microsoft.com/office/drawing/2010/main" w="9525">
+                <a14:hiddenLine xmlns:a14="http://schemas.microsoft.com/office/drawing/2010/main" xmlns="" w="9525">
                   <a:solidFill>
                     <a:srgbClr val="000000"/>
                   </a:solidFill>
@@ -2732,7 +2732,7 @@
             </a:ln>
             <a:extLst>
               <a:ext uri="{91240B29-F687-4f45-9708-019B960494DF}">
-                <a14:hiddenLine xmlns="" xmlns:a14="http://schemas.microsoft.com/office/drawing/2010/main" w="9525">
+                <a14:hiddenLine xmlns:a14="http://schemas.microsoft.com/office/drawing/2010/main" xmlns="" w="9525">
                   <a:solidFill>
                     <a:srgbClr val="000000"/>
                   </a:solidFill>
@@ -2794,7 +2794,7 @@
             </a:ln>
             <a:extLst>
               <a:ext uri="{91240B29-F687-4f45-9708-019B960494DF}">
-                <a14:hiddenLine xmlns="" xmlns:a14="http://schemas.microsoft.com/office/drawing/2010/main" w="9525">
+                <a14:hiddenLine xmlns:a14="http://schemas.microsoft.com/office/drawing/2010/main" xmlns="" w="9525">
                   <a:solidFill>
                     <a:srgbClr val="000000"/>
                   </a:solidFill>
@@ -2884,7 +2884,7 @@
             </a:ln>
             <a:extLst>
               <a:ext uri="{91240B29-F687-4f45-9708-019B960494DF}">
-                <a14:hiddenLine xmlns="" xmlns:a14="http://schemas.microsoft.com/office/drawing/2010/main" w="9525">
+                <a14:hiddenLine xmlns:a14="http://schemas.microsoft.com/office/drawing/2010/main" xmlns="" w="9525">
                   <a:solidFill>
                     <a:srgbClr val="000000"/>
                   </a:solidFill>
@@ -2946,7 +2946,7 @@
             </a:ln>
             <a:extLst>
               <a:ext uri="{91240B29-F687-4f45-9708-019B960494DF}">
-                <a14:hiddenLine xmlns="" xmlns:a14="http://schemas.microsoft.com/office/drawing/2010/main" w="9525">
+                <a14:hiddenLine xmlns:a14="http://schemas.microsoft.com/office/drawing/2010/main" xmlns="" w="9525">
                   <a:solidFill>
                     <a:srgbClr val="000000"/>
                   </a:solidFill>
@@ -3036,7 +3036,7 @@
             </a:ln>
             <a:extLst>
               <a:ext uri="{91240B29-F687-4f45-9708-019B960494DF}">
-                <a14:hiddenLine xmlns="" xmlns:a14="http://schemas.microsoft.com/office/drawing/2010/main" w="9525">
+                <a14:hiddenLine xmlns:a14="http://schemas.microsoft.com/office/drawing/2010/main" xmlns="" w="9525">
                   <a:solidFill>
                     <a:srgbClr val="000000"/>
                   </a:solidFill>
@@ -3098,7 +3098,7 @@
             </a:ln>
             <a:extLst>
               <a:ext uri="{91240B29-F687-4f45-9708-019B960494DF}">
-                <a14:hiddenLine xmlns="" xmlns:a14="http://schemas.microsoft.com/office/drawing/2010/main" w="9525">
+                <a14:hiddenLine xmlns:a14="http://schemas.microsoft.com/office/drawing/2010/main" xmlns="" w="9525">
                   <a:solidFill>
                     <a:srgbClr val="000000"/>
                   </a:solidFill>
@@ -3188,7 +3188,7 @@
             </a:ln>
             <a:extLst>
               <a:ext uri="{91240B29-F687-4f45-9708-019B960494DF}">
-                <a14:hiddenLine xmlns="" xmlns:a14="http://schemas.microsoft.com/office/drawing/2010/main" w="9525">
+                <a14:hiddenLine xmlns:a14="http://schemas.microsoft.com/office/drawing/2010/main" xmlns="" w="9525">
                   <a:solidFill>
                     <a:srgbClr val="000000"/>
                   </a:solidFill>
@@ -3222,7 +3222,7 @@
             </a:ln>
             <a:extLst>
               <a:ext uri="{91240B29-F687-4f45-9708-019B960494DF}">
-                <a14:hiddenLine xmlns="" xmlns:a14="http://schemas.microsoft.com/office/drawing/2010/main" w="9525">
+                <a14:hiddenLine xmlns:a14="http://schemas.microsoft.com/office/drawing/2010/main" xmlns="" w="9525">
                   <a:solidFill>
                     <a:srgbClr val="000000"/>
                   </a:solidFill>
@@ -3287,7 +3287,7 @@
             </a:ln>
             <a:extLst>
               <a:ext uri="{91240B29-F687-4f45-9708-019B960494DF}">
-                <a14:hiddenLine xmlns="" xmlns:a14="http://schemas.microsoft.com/office/drawing/2010/main" w="9525">
+                <a14:hiddenLine xmlns:a14="http://schemas.microsoft.com/office/drawing/2010/main" xmlns="" w="9525">
                   <a:solidFill>
                     <a:srgbClr val="000000"/>
                   </a:solidFill>
@@ -3377,7 +3377,7 @@
             </a:ln>
             <a:extLst>
               <a:ext uri="{91240B29-F687-4f45-9708-019B960494DF}">
-                <a14:hiddenLine xmlns="" xmlns:a14="http://schemas.microsoft.com/office/drawing/2010/main" w="9525">
+                <a14:hiddenLine xmlns:a14="http://schemas.microsoft.com/office/drawing/2010/main" xmlns="" w="9525">
                   <a:solidFill>
                     <a:srgbClr val="000000"/>
                   </a:solidFill>
@@ -3439,7 +3439,7 @@
             </a:ln>
             <a:extLst>
               <a:ext uri="{91240B29-F687-4f45-9708-019B960494DF}">
-                <a14:hiddenLine xmlns="" xmlns:a14="http://schemas.microsoft.com/office/drawing/2010/main" w="9525">
+                <a14:hiddenLine xmlns:a14="http://schemas.microsoft.com/office/drawing/2010/main" xmlns="" w="9525">
                   <a:solidFill>
                     <a:srgbClr val="000000"/>
                   </a:solidFill>
@@ -3529,7 +3529,7 @@
             </a:ln>
             <a:extLst>
               <a:ext uri="{91240B29-F687-4f45-9708-019B960494DF}">
-                <a14:hiddenLine xmlns="" xmlns:a14="http://schemas.microsoft.com/office/drawing/2010/main" w="9525">
+                <a14:hiddenLine xmlns:a14="http://schemas.microsoft.com/office/drawing/2010/main" xmlns="" w="9525">
                   <a:solidFill>
                     <a:srgbClr val="000000"/>
                   </a:solidFill>
@@ -3619,7 +3619,7 @@
             </a:ln>
             <a:extLst>
               <a:ext uri="{91240B29-F687-4f45-9708-019B960494DF}">
-                <a14:hiddenLine xmlns="" xmlns:a14="http://schemas.microsoft.com/office/drawing/2010/main" w="9525">
+                <a14:hiddenLine xmlns:a14="http://schemas.microsoft.com/office/drawing/2010/main" xmlns="" w="9525">
                   <a:solidFill>
                     <a:srgbClr val="000000"/>
                   </a:solidFill>
@@ -3684,7 +3684,7 @@
             </a:ln>
             <a:extLst>
               <a:ext uri="{91240B29-F687-4f45-9708-019B960494DF}">
-                <a14:hiddenLine xmlns="" xmlns:a14="http://schemas.microsoft.com/office/drawing/2010/main" w="9525">
+                <a14:hiddenLine xmlns:a14="http://schemas.microsoft.com/office/drawing/2010/main" xmlns="" w="9525">
                   <a:solidFill>
                     <a:srgbClr val="000000"/>
                   </a:solidFill>
@@ -3746,7 +3746,7 @@
             </a:ln>
             <a:extLst>
               <a:ext uri="{91240B29-F687-4f45-9708-019B960494DF}">
-                <a14:hiddenLine xmlns="" xmlns:a14="http://schemas.microsoft.com/office/drawing/2010/main" w="9525">
+                <a14:hiddenLine xmlns:a14="http://schemas.microsoft.com/office/drawing/2010/main" xmlns="" w="9525">
                   <a:solidFill>
                     <a:srgbClr val="000000"/>
                   </a:solidFill>
@@ -3836,7 +3836,7 @@
             </a:ln>
             <a:extLst>
               <a:ext uri="{91240B29-F687-4f45-9708-019B960494DF}">
-                <a14:hiddenLine xmlns="" xmlns:a14="http://schemas.microsoft.com/office/drawing/2010/main" w="9525">
+                <a14:hiddenLine xmlns:a14="http://schemas.microsoft.com/office/drawing/2010/main" xmlns="" w="9525">
                   <a:solidFill>
                     <a:srgbClr val="000000"/>
                   </a:solidFill>
@@ -3926,7 +3926,7 @@
             </a:ln>
             <a:extLst>
               <a:ext uri="{91240B29-F687-4f45-9708-019B960494DF}">
-                <a14:hiddenLine xmlns="" xmlns:a14="http://schemas.microsoft.com/office/drawing/2010/main" w="9525">
+                <a14:hiddenLine xmlns:a14="http://schemas.microsoft.com/office/drawing/2010/main" xmlns="" w="9525">
                   <a:solidFill>
                     <a:srgbClr val="000000"/>
                   </a:solidFill>
@@ -3988,7 +3988,7 @@
             </a:ln>
             <a:extLst>
               <a:ext uri="{91240B29-F687-4f45-9708-019B960494DF}">
-                <a14:hiddenLine xmlns="" xmlns:a14="http://schemas.microsoft.com/office/drawing/2010/main" w="9525">
+                <a14:hiddenLine xmlns:a14="http://schemas.microsoft.com/office/drawing/2010/main" xmlns="" w="9525">
                   <a:solidFill>
                     <a:srgbClr val="000000"/>
                   </a:solidFill>
@@ -4108,7 +4108,7 @@
             </a:ln>
             <a:extLst>
               <a:ext uri="{91240B29-F687-4f45-9708-019B960494DF}">
-                <a14:hiddenLine xmlns="" xmlns:a14="http://schemas.microsoft.com/office/drawing/2010/main" w="9525">
+                <a14:hiddenLine xmlns:a14="http://schemas.microsoft.com/office/drawing/2010/main" xmlns="" w="9525">
                   <a:solidFill>
                     <a:srgbClr val="000000"/>
                   </a:solidFill>
@@ -4176,7 +4176,7 @@
             </a:ln>
             <a:extLst>
               <a:ext uri="{91240B29-F687-4f45-9708-019B960494DF}">
-                <a14:hiddenLine xmlns="" xmlns:a14="http://schemas.microsoft.com/office/drawing/2010/main" w="9525">
+                <a14:hiddenLine xmlns:a14="http://schemas.microsoft.com/office/drawing/2010/main" xmlns="" w="9525">
                   <a:solidFill>
                     <a:srgbClr val="000000"/>
                   </a:solidFill>
@@ -4266,7 +4266,7 @@
             </a:ln>
             <a:extLst>
               <a:ext uri="{91240B29-F687-4f45-9708-019B960494DF}">
-                <a14:hiddenLine xmlns="" xmlns:a14="http://schemas.microsoft.com/office/drawing/2010/main" w="9525">
+                <a14:hiddenLine xmlns:a14="http://schemas.microsoft.com/office/drawing/2010/main" xmlns="" w="9525">
                   <a:solidFill>
                     <a:srgbClr val="000000"/>
                   </a:solidFill>
@@ -4406,7 +4406,7 @@
           <a:p>
             <a:fld id="{A62A73B7-E90B-4A8D-BCEB-7DB01CEED5BE}" type="datetimeFigureOut">
               <a:rPr lang="en-IN" smtClean="0"/>
-              <a:t>14-02-2022</a:t>
+              <a:t>15-02-2022</a:t>
             </a:fld>
             <a:endParaRPr lang="en-IN"/>
           </a:p>
@@ -4673,7 +4673,7 @@
           <a:p>
             <a:fld id="{A62A73B7-E90B-4A8D-BCEB-7DB01CEED5BE}" type="datetimeFigureOut">
               <a:rPr lang="en-IN" smtClean="0"/>
-              <a:t>14-02-2022</a:t>
+              <a:t>15-02-2022</a:t>
             </a:fld>
             <a:endParaRPr lang="en-IN"/>
           </a:p>
@@ -4869,7 +4869,7 @@
           <a:p>
             <a:fld id="{A62A73B7-E90B-4A8D-BCEB-7DB01CEED5BE}" type="datetimeFigureOut">
               <a:rPr lang="en-IN" smtClean="0"/>
-              <a:t>14-02-2022</a:t>
+              <a:t>15-02-2022</a:t>
             </a:fld>
             <a:endParaRPr lang="en-IN"/>
           </a:p>
@@ -5132,7 +5132,7 @@
           <a:p>
             <a:fld id="{A62A73B7-E90B-4A8D-BCEB-7DB01CEED5BE}" type="datetimeFigureOut">
               <a:rPr lang="en-IN" smtClean="0"/>
-              <a:t>14-02-2022</a:t>
+              <a:t>15-02-2022</a:t>
             </a:fld>
             <a:endParaRPr lang="en-IN"/>
           </a:p>
@@ -5566,7 +5566,7 @@
           <a:p>
             <a:fld id="{A62A73B7-E90B-4A8D-BCEB-7DB01CEED5BE}" type="datetimeFigureOut">
               <a:rPr lang="en-IN" smtClean="0"/>
-              <a:t>14-02-2022</a:t>
+              <a:t>15-02-2022</a:t>
             </a:fld>
             <a:endParaRPr lang="en-IN"/>
           </a:p>
@@ -6112,7 +6112,7 @@
           <a:p>
             <a:fld id="{A62A73B7-E90B-4A8D-BCEB-7DB01CEED5BE}" type="datetimeFigureOut">
               <a:rPr lang="en-IN" smtClean="0"/>
-              <a:t>14-02-2022</a:t>
+              <a:t>15-02-2022</a:t>
             </a:fld>
             <a:endParaRPr lang="en-IN"/>
           </a:p>
@@ -6832,7 +6832,7 @@
           <a:p>
             <a:fld id="{A62A73B7-E90B-4A8D-BCEB-7DB01CEED5BE}" type="datetimeFigureOut">
               <a:rPr lang="en-IN" smtClean="0"/>
-              <a:t>14-02-2022</a:t>
+              <a:t>15-02-2022</a:t>
             </a:fld>
             <a:endParaRPr lang="en-IN"/>
           </a:p>
@@ -7002,7 +7002,7 @@
           <a:p>
             <a:fld id="{A62A73B7-E90B-4A8D-BCEB-7DB01CEED5BE}" type="datetimeFigureOut">
               <a:rPr lang="en-IN" smtClean="0"/>
-              <a:t>14-02-2022</a:t>
+              <a:t>15-02-2022</a:t>
             </a:fld>
             <a:endParaRPr lang="en-IN"/>
           </a:p>
@@ -7182,7 +7182,7 @@
           <a:p>
             <a:fld id="{A62A73B7-E90B-4A8D-BCEB-7DB01CEED5BE}" type="datetimeFigureOut">
               <a:rPr lang="en-IN" smtClean="0"/>
-              <a:t>14-02-2022</a:t>
+              <a:t>15-02-2022</a:t>
             </a:fld>
             <a:endParaRPr lang="en-IN"/>
           </a:p>
@@ -7352,7 +7352,7 @@
           <a:p>
             <a:fld id="{A62A73B7-E90B-4A8D-BCEB-7DB01CEED5BE}" type="datetimeFigureOut">
               <a:rPr lang="en-IN" smtClean="0"/>
-              <a:t>14-02-2022</a:t>
+              <a:t>15-02-2022</a:t>
             </a:fld>
             <a:endParaRPr lang="en-IN"/>
           </a:p>
@@ -7602,7 +7602,7 @@
           <a:p>
             <a:fld id="{A62A73B7-E90B-4A8D-BCEB-7DB01CEED5BE}" type="datetimeFigureOut">
               <a:rPr lang="en-IN" smtClean="0"/>
-              <a:t>14-02-2022</a:t>
+              <a:t>15-02-2022</a:t>
             </a:fld>
             <a:endParaRPr lang="en-IN"/>
           </a:p>
@@ -7834,7 +7834,7 @@
           <a:p>
             <a:fld id="{A62A73B7-E90B-4A8D-BCEB-7DB01CEED5BE}" type="datetimeFigureOut">
               <a:rPr lang="en-IN" smtClean="0"/>
-              <a:t>14-02-2022</a:t>
+              <a:t>15-02-2022</a:t>
             </a:fld>
             <a:endParaRPr lang="en-IN"/>
           </a:p>
@@ -8215,7 +8215,7 @@
           <a:p>
             <a:fld id="{A62A73B7-E90B-4A8D-BCEB-7DB01CEED5BE}" type="datetimeFigureOut">
               <a:rPr lang="en-IN" smtClean="0"/>
-              <a:t>14-02-2022</a:t>
+              <a:t>15-02-2022</a:t>
             </a:fld>
             <a:endParaRPr lang="en-IN"/>
           </a:p>
@@ -8333,7 +8333,7 @@
           <a:p>
             <a:fld id="{A62A73B7-E90B-4A8D-BCEB-7DB01CEED5BE}" type="datetimeFigureOut">
               <a:rPr lang="en-IN" smtClean="0"/>
-              <a:t>14-02-2022</a:t>
+              <a:t>15-02-2022</a:t>
             </a:fld>
             <a:endParaRPr lang="en-IN"/>
           </a:p>
@@ -8428,7 +8428,7 @@
           <a:p>
             <a:fld id="{A62A73B7-E90B-4A8D-BCEB-7DB01CEED5BE}" type="datetimeFigureOut">
               <a:rPr lang="en-IN" smtClean="0"/>
-              <a:t>14-02-2022</a:t>
+              <a:t>15-02-2022</a:t>
             </a:fld>
             <a:endParaRPr lang="en-IN"/>
           </a:p>
@@ -8677,7 +8677,7 @@
           <a:p>
             <a:fld id="{A62A73B7-E90B-4A8D-BCEB-7DB01CEED5BE}" type="datetimeFigureOut">
               <a:rPr lang="en-IN" smtClean="0"/>
-              <a:t>14-02-2022</a:t>
+              <a:t>15-02-2022</a:t>
             </a:fld>
             <a:endParaRPr lang="en-IN"/>
           </a:p>
@@ -8957,7 +8957,7 @@
           <a:p>
             <a:fld id="{A62A73B7-E90B-4A8D-BCEB-7DB01CEED5BE}" type="datetimeFigureOut">
               <a:rPr lang="en-IN" smtClean="0"/>
-              <a:t>14-02-2022</a:t>
+              <a:t>15-02-2022</a:t>
             </a:fld>
             <a:endParaRPr lang="en-IN"/>
           </a:p>
@@ -9080,7 +9080,7 @@
           <a:noFill/>
           <a:extLst>
             <a:ext uri="{909E8E84-426E-40dd-AFC4-6F175D3DCCD1}">
-              <a14:hiddenFill xmlns="" xmlns:a14="http://schemas.microsoft.com/office/drawing/2010/main">
+              <a14:hiddenFill xmlns:a14="http://schemas.microsoft.com/office/drawing/2010/main" xmlns="">
                 <a:solidFill>
                   <a:srgbClr val="FFFFFF"/>
                 </a:solidFill>
@@ -9154,7 +9154,7 @@
               </a:ln>
               <a:extLst>
                 <a:ext uri="{91240B29-F687-4f45-9708-019B960494DF}">
-                  <a14:hiddenLine xmlns="" xmlns:a14="http://schemas.microsoft.com/office/drawing/2010/main" w="9525">
+                  <a14:hiddenLine xmlns:a14="http://schemas.microsoft.com/office/drawing/2010/main" xmlns="" w="9525">
                     <a:solidFill>
                       <a:srgbClr val="000000"/>
                     </a:solidFill>
@@ -9244,7 +9244,7 @@
               </a:ln>
               <a:extLst>
                 <a:ext uri="{91240B29-F687-4f45-9708-019B960494DF}">
-                  <a14:hiddenLine xmlns="" xmlns:a14="http://schemas.microsoft.com/office/drawing/2010/main" w="9525">
+                  <a14:hiddenLine xmlns:a14="http://schemas.microsoft.com/office/drawing/2010/main" xmlns="" w="9525">
                     <a:solidFill>
                       <a:srgbClr val="000000"/>
                     </a:solidFill>
@@ -9334,7 +9334,7 @@
               </a:ln>
               <a:extLst>
                 <a:ext uri="{91240B29-F687-4f45-9708-019B960494DF}">
-                  <a14:hiddenLine xmlns="" xmlns:a14="http://schemas.microsoft.com/office/drawing/2010/main" w="9525">
+                  <a14:hiddenLine xmlns:a14="http://schemas.microsoft.com/office/drawing/2010/main" xmlns="" w="9525">
                     <a:solidFill>
                       <a:srgbClr val="000000"/>
                     </a:solidFill>
@@ -9396,7 +9396,7 @@
               </a:ln>
               <a:extLst>
                 <a:ext uri="{91240B29-F687-4f45-9708-019B960494DF}">
-                  <a14:hiddenLine xmlns="" xmlns:a14="http://schemas.microsoft.com/office/drawing/2010/main" w="9525">
+                  <a14:hiddenLine xmlns:a14="http://schemas.microsoft.com/office/drawing/2010/main" xmlns="" w="9525">
                     <a:solidFill>
                       <a:srgbClr val="000000"/>
                     </a:solidFill>
@@ -9486,7 +9486,7 @@
               </a:ln>
               <a:extLst>
                 <a:ext uri="{91240B29-F687-4f45-9708-019B960494DF}">
-                  <a14:hiddenLine xmlns="" xmlns:a14="http://schemas.microsoft.com/office/drawing/2010/main" w="9525">
+                  <a14:hiddenLine xmlns:a14="http://schemas.microsoft.com/office/drawing/2010/main" xmlns="" w="9525">
                     <a:solidFill>
                       <a:srgbClr val="000000"/>
                     </a:solidFill>
@@ -9548,7 +9548,7 @@
               </a:ln>
               <a:extLst>
                 <a:ext uri="{91240B29-F687-4f45-9708-019B960494DF}">
-                  <a14:hiddenLine xmlns="" xmlns:a14="http://schemas.microsoft.com/office/drawing/2010/main" w="9525">
+                  <a14:hiddenLine xmlns:a14="http://schemas.microsoft.com/office/drawing/2010/main" xmlns="" w="9525">
                     <a:solidFill>
                       <a:srgbClr val="000000"/>
                     </a:solidFill>
@@ -9610,7 +9610,7 @@
               </a:ln>
               <a:extLst>
                 <a:ext uri="{91240B29-F687-4f45-9708-019B960494DF}">
-                  <a14:hiddenLine xmlns="" xmlns:a14="http://schemas.microsoft.com/office/drawing/2010/main" w="9525">
+                  <a14:hiddenLine xmlns:a14="http://schemas.microsoft.com/office/drawing/2010/main" xmlns="" w="9525">
                     <a:solidFill>
                       <a:srgbClr val="000000"/>
                     </a:solidFill>
@@ -9700,7 +9700,7 @@
               </a:ln>
               <a:extLst>
                 <a:ext uri="{91240B29-F687-4f45-9708-019B960494DF}">
-                  <a14:hiddenLine xmlns="" xmlns:a14="http://schemas.microsoft.com/office/drawing/2010/main" w="9525">
+                  <a14:hiddenLine xmlns:a14="http://schemas.microsoft.com/office/drawing/2010/main" xmlns="" w="9525">
                     <a:solidFill>
                       <a:srgbClr val="000000"/>
                     </a:solidFill>
@@ -9790,7 +9790,7 @@
               </a:ln>
               <a:extLst>
                 <a:ext uri="{91240B29-F687-4f45-9708-019B960494DF}">
-                  <a14:hiddenLine xmlns="" xmlns:a14="http://schemas.microsoft.com/office/drawing/2010/main" w="9525">
+                  <a14:hiddenLine xmlns:a14="http://schemas.microsoft.com/office/drawing/2010/main" xmlns="" w="9525">
                     <a:solidFill>
                       <a:srgbClr val="000000"/>
                     </a:solidFill>
@@ -9852,7 +9852,7 @@
               </a:ln>
               <a:extLst>
                 <a:ext uri="{91240B29-F687-4f45-9708-019B960494DF}">
-                  <a14:hiddenLine xmlns="" xmlns:a14="http://schemas.microsoft.com/office/drawing/2010/main" w="9525">
+                  <a14:hiddenLine xmlns:a14="http://schemas.microsoft.com/office/drawing/2010/main" xmlns="" w="9525">
                     <a:solidFill>
                       <a:srgbClr val="000000"/>
                     </a:solidFill>
@@ -9962,7 +9962,7 @@
               </a:ln>
               <a:extLst>
                 <a:ext uri="{91240B29-F687-4f45-9708-019B960494DF}">
-                  <a14:hiddenLine xmlns="" xmlns:a14="http://schemas.microsoft.com/office/drawing/2010/main" w="9525">
+                  <a14:hiddenLine xmlns:a14="http://schemas.microsoft.com/office/drawing/2010/main" xmlns="" w="9525">
                     <a:solidFill>
                       <a:srgbClr val="000000"/>
                     </a:solidFill>
@@ -10046,7 +10046,7 @@
               </a:ln>
               <a:extLst>
                 <a:ext uri="{91240B29-F687-4f45-9708-019B960494DF}">
-                  <a14:hiddenLine xmlns="" xmlns:a14="http://schemas.microsoft.com/office/drawing/2010/main" w="9525">
+                  <a14:hiddenLine xmlns:a14="http://schemas.microsoft.com/office/drawing/2010/main" xmlns="" w="9525">
                     <a:solidFill>
                       <a:srgbClr val="000000"/>
                     </a:solidFill>
@@ -10108,7 +10108,7 @@
               </a:ln>
               <a:extLst>
                 <a:ext uri="{91240B29-F687-4f45-9708-019B960494DF}">
-                  <a14:hiddenLine xmlns="" xmlns:a14="http://schemas.microsoft.com/office/drawing/2010/main" w="9525">
+                  <a14:hiddenLine xmlns:a14="http://schemas.microsoft.com/office/drawing/2010/main" xmlns="" w="9525">
                     <a:solidFill>
                       <a:srgbClr val="000000"/>
                     </a:solidFill>
@@ -10170,7 +10170,7 @@
               </a:ln>
               <a:extLst>
                 <a:ext uri="{91240B29-F687-4f45-9708-019B960494DF}">
-                  <a14:hiddenLine xmlns="" xmlns:a14="http://schemas.microsoft.com/office/drawing/2010/main" w="9525">
+                  <a14:hiddenLine xmlns:a14="http://schemas.microsoft.com/office/drawing/2010/main" xmlns="" w="9525">
                     <a:solidFill>
                       <a:srgbClr val="000000"/>
                     </a:solidFill>
@@ -10260,7 +10260,7 @@
               </a:ln>
               <a:extLst>
                 <a:ext uri="{91240B29-F687-4f45-9708-019B960494DF}">
-                  <a14:hiddenLine xmlns="" xmlns:a14="http://schemas.microsoft.com/office/drawing/2010/main" w="9525">
+                  <a14:hiddenLine xmlns:a14="http://schemas.microsoft.com/office/drawing/2010/main" xmlns="" w="9525">
                     <a:solidFill>
                       <a:srgbClr val="000000"/>
                     </a:solidFill>
@@ -10294,7 +10294,7 @@
               </a:ln>
               <a:extLst>
                 <a:ext uri="{91240B29-F687-4f45-9708-019B960494DF}">
-                  <a14:hiddenLine xmlns="" xmlns:a14="http://schemas.microsoft.com/office/drawing/2010/main" w="9525">
+                  <a14:hiddenLine xmlns:a14="http://schemas.microsoft.com/office/drawing/2010/main" xmlns="" w="9525">
                     <a:solidFill>
                       <a:srgbClr val="000000"/>
                     </a:solidFill>
@@ -10359,7 +10359,7 @@
               </a:ln>
               <a:extLst>
                 <a:ext uri="{91240B29-F687-4f45-9708-019B960494DF}">
-                  <a14:hiddenLine xmlns="" xmlns:a14="http://schemas.microsoft.com/office/drawing/2010/main" w="9525">
+                  <a14:hiddenLine xmlns:a14="http://schemas.microsoft.com/office/drawing/2010/main" xmlns="" w="9525">
                     <a:solidFill>
                       <a:srgbClr val="000000"/>
                     </a:solidFill>
@@ -10449,7 +10449,7 @@
               </a:ln>
               <a:extLst>
                 <a:ext uri="{91240B29-F687-4f45-9708-019B960494DF}">
-                  <a14:hiddenLine xmlns="" xmlns:a14="http://schemas.microsoft.com/office/drawing/2010/main" w="9525">
+                  <a14:hiddenLine xmlns:a14="http://schemas.microsoft.com/office/drawing/2010/main" xmlns="" w="9525">
                     <a:solidFill>
                       <a:srgbClr val="000000"/>
                     </a:solidFill>
@@ -10511,7 +10511,7 @@
               </a:ln>
               <a:extLst>
                 <a:ext uri="{91240B29-F687-4f45-9708-019B960494DF}">
-                  <a14:hiddenLine xmlns="" xmlns:a14="http://schemas.microsoft.com/office/drawing/2010/main" w="9525">
+                  <a14:hiddenLine xmlns:a14="http://schemas.microsoft.com/office/drawing/2010/main" xmlns="" w="9525">
                     <a:solidFill>
                       <a:srgbClr val="000000"/>
                     </a:solidFill>
@@ -10601,7 +10601,7 @@
               </a:ln>
               <a:extLst>
                 <a:ext uri="{91240B29-F687-4f45-9708-019B960494DF}">
-                  <a14:hiddenLine xmlns="" xmlns:a14="http://schemas.microsoft.com/office/drawing/2010/main" w="9525">
+                  <a14:hiddenLine xmlns:a14="http://schemas.microsoft.com/office/drawing/2010/main" xmlns="" w="9525">
                     <a:solidFill>
                       <a:srgbClr val="000000"/>
                     </a:solidFill>
@@ -10666,7 +10666,7 @@
               </a:ln>
               <a:extLst>
                 <a:ext uri="{91240B29-F687-4f45-9708-019B960494DF}">
-                  <a14:hiddenLine xmlns="" xmlns:a14="http://schemas.microsoft.com/office/drawing/2010/main" w="9525">
+                  <a14:hiddenLine xmlns:a14="http://schemas.microsoft.com/office/drawing/2010/main" xmlns="" w="9525">
                     <a:solidFill>
                       <a:srgbClr val="000000"/>
                     </a:solidFill>
@@ -10728,7 +10728,7 @@
               </a:ln>
               <a:extLst>
                 <a:ext uri="{91240B29-F687-4f45-9708-019B960494DF}">
-                  <a14:hiddenLine xmlns="" xmlns:a14="http://schemas.microsoft.com/office/drawing/2010/main" w="9525">
+                  <a14:hiddenLine xmlns:a14="http://schemas.microsoft.com/office/drawing/2010/main" xmlns="" w="9525">
                     <a:solidFill>
                       <a:srgbClr val="000000"/>
                     </a:solidFill>
@@ -10818,7 +10818,7 @@
               </a:ln>
               <a:extLst>
                 <a:ext uri="{91240B29-F687-4f45-9708-019B960494DF}">
-                  <a14:hiddenLine xmlns="" xmlns:a14="http://schemas.microsoft.com/office/drawing/2010/main" w="9525">
+                  <a14:hiddenLine xmlns:a14="http://schemas.microsoft.com/office/drawing/2010/main" xmlns="" w="9525">
                     <a:solidFill>
                       <a:srgbClr val="000000"/>
                     </a:solidFill>
@@ -10908,7 +10908,7 @@
               </a:ln>
               <a:extLst>
                 <a:ext uri="{91240B29-F687-4f45-9708-019B960494DF}">
-                  <a14:hiddenLine xmlns="" xmlns:a14="http://schemas.microsoft.com/office/drawing/2010/main" w="9525">
+                  <a14:hiddenLine xmlns:a14="http://schemas.microsoft.com/office/drawing/2010/main" xmlns="" w="9525">
                     <a:solidFill>
                       <a:srgbClr val="000000"/>
                     </a:solidFill>
@@ -10973,7 +10973,7 @@
               </a:ln>
               <a:extLst>
                 <a:ext uri="{91240B29-F687-4f45-9708-019B960494DF}">
-                  <a14:hiddenLine xmlns="" xmlns:a14="http://schemas.microsoft.com/office/drawing/2010/main" w="9525">
+                  <a14:hiddenLine xmlns:a14="http://schemas.microsoft.com/office/drawing/2010/main" xmlns="" w="9525">
                     <a:solidFill>
                       <a:srgbClr val="000000"/>
                     </a:solidFill>
@@ -11093,7 +11093,7 @@
               </a:ln>
               <a:extLst>
                 <a:ext uri="{91240B29-F687-4f45-9708-019B960494DF}">
-                  <a14:hiddenLine xmlns="" xmlns:a14="http://schemas.microsoft.com/office/drawing/2010/main" w="9525">
+                  <a14:hiddenLine xmlns:a14="http://schemas.microsoft.com/office/drawing/2010/main" xmlns="" w="9525">
                     <a:solidFill>
                       <a:srgbClr val="000000"/>
                     </a:solidFill>
@@ -11174,7 +11174,7 @@
               </a:ln>
               <a:extLst>
                 <a:ext uri="{91240B29-F687-4f45-9708-019B960494DF}">
-                  <a14:hiddenLine xmlns="" xmlns:a14="http://schemas.microsoft.com/office/drawing/2010/main" w="9525">
+                  <a14:hiddenLine xmlns:a14="http://schemas.microsoft.com/office/drawing/2010/main" xmlns="" w="9525">
                     <a:solidFill>
                       <a:srgbClr val="000000"/>
                     </a:solidFill>
@@ -11289,7 +11289,7 @@
               </a:ln>
               <a:extLst>
                 <a:ext uri="{91240B29-F687-4f45-9708-019B960494DF}">
-                  <a14:hiddenLine xmlns="" xmlns:a14="http://schemas.microsoft.com/office/drawing/2010/main" w="9525">
+                  <a14:hiddenLine xmlns:a14="http://schemas.microsoft.com/office/drawing/2010/main" xmlns="" w="9525">
                     <a:solidFill>
                       <a:srgbClr val="000000"/>
                     </a:solidFill>
@@ -11379,7 +11379,7 @@
               </a:ln>
               <a:extLst>
                 <a:ext uri="{91240B29-F687-4f45-9708-019B960494DF}">
-                  <a14:hiddenLine xmlns="" xmlns:a14="http://schemas.microsoft.com/office/drawing/2010/main" w="9525">
+                  <a14:hiddenLine xmlns:a14="http://schemas.microsoft.com/office/drawing/2010/main" xmlns="" w="9525">
                     <a:solidFill>
                       <a:srgbClr val="000000"/>
                     </a:solidFill>
@@ -11444,7 +11444,7 @@
               </a:ln>
               <a:extLst>
                 <a:ext uri="{91240B29-F687-4f45-9708-019B960494DF}">
-                  <a14:hiddenLine xmlns="" xmlns:a14="http://schemas.microsoft.com/office/drawing/2010/main" w="9525">
+                  <a14:hiddenLine xmlns:a14="http://schemas.microsoft.com/office/drawing/2010/main" xmlns="" w="9525">
                     <a:solidFill>
                       <a:srgbClr val="000000"/>
                     </a:solidFill>
@@ -11534,7 +11534,7 @@
               </a:ln>
               <a:extLst>
                 <a:ext uri="{91240B29-F687-4f45-9708-019B960494DF}">
-                  <a14:hiddenLine xmlns="" xmlns:a14="http://schemas.microsoft.com/office/drawing/2010/main" w="9525">
+                  <a14:hiddenLine xmlns:a14="http://schemas.microsoft.com/office/drawing/2010/main" xmlns="" w="9525">
                     <a:solidFill>
                       <a:srgbClr val="000000"/>
                     </a:solidFill>
@@ -11602,7 +11602,7 @@
               </a:ln>
               <a:extLst>
                 <a:ext uri="{91240B29-F687-4f45-9708-019B960494DF}">
-                  <a14:hiddenLine xmlns="" xmlns:a14="http://schemas.microsoft.com/office/drawing/2010/main" w="9525">
+                  <a14:hiddenLine xmlns:a14="http://schemas.microsoft.com/office/drawing/2010/main" xmlns="" w="9525">
                     <a:solidFill>
                       <a:srgbClr val="000000"/>
                     </a:solidFill>
@@ -11692,7 +11692,7 @@
               </a:ln>
               <a:extLst>
                 <a:ext uri="{91240B29-F687-4f45-9708-019B960494DF}">
-                  <a14:hiddenLine xmlns="" xmlns:a14="http://schemas.microsoft.com/office/drawing/2010/main" w="9525">
+                  <a14:hiddenLine xmlns:a14="http://schemas.microsoft.com/office/drawing/2010/main" xmlns="" w="9525">
                     <a:solidFill>
                       <a:srgbClr val="000000"/>
                     </a:solidFill>
@@ -11760,7 +11760,7 @@
               </a:ln>
               <a:extLst>
                 <a:ext uri="{91240B29-F687-4f45-9708-019B960494DF}">
-                  <a14:hiddenLine xmlns="" xmlns:a14="http://schemas.microsoft.com/office/drawing/2010/main" w="9525">
+                  <a14:hiddenLine xmlns:a14="http://schemas.microsoft.com/office/drawing/2010/main" xmlns="" w="9525">
                     <a:solidFill>
                       <a:srgbClr val="000000"/>
                     </a:solidFill>
@@ -11850,7 +11850,7 @@
               </a:ln>
               <a:extLst>
                 <a:ext uri="{91240B29-F687-4f45-9708-019B960494DF}">
-                  <a14:hiddenLine xmlns="" xmlns:a14="http://schemas.microsoft.com/office/drawing/2010/main" w="9525">
+                  <a14:hiddenLine xmlns:a14="http://schemas.microsoft.com/office/drawing/2010/main" xmlns="" w="9525">
                     <a:solidFill>
                       <a:srgbClr val="000000"/>
                     </a:solidFill>
@@ -11884,7 +11884,7 @@
               </a:ln>
               <a:extLst>
                 <a:ext uri="{91240B29-F687-4f45-9708-019B960494DF}">
-                  <a14:hiddenLine xmlns="" xmlns:a14="http://schemas.microsoft.com/office/drawing/2010/main" w="9525">
+                  <a14:hiddenLine xmlns:a14="http://schemas.microsoft.com/office/drawing/2010/main" xmlns="" w="9525">
                     <a:solidFill>
                       <a:srgbClr val="000000"/>
                     </a:solidFill>
@@ -12024,7 +12024,7 @@
           <a:p>
             <a:fld id="{A62A73B7-E90B-4A8D-BCEB-7DB01CEED5BE}" type="datetimeFigureOut">
               <a:rPr lang="en-IN" smtClean="0"/>
-              <a:t>14-02-2022</a:t>
+              <a:t>15-02-2022</a:t>
             </a:fld>
             <a:endParaRPr lang="en-IN"/>
           </a:p>
@@ -12458,7 +12458,7 @@
         </p:nvSpPr>
         <p:spPr>
           <a:xfrm>
-            <a:off x="2473343" y="2446450"/>
+            <a:off x="2679531" y="107150"/>
             <a:ext cx="8126963" cy="1107996"/>
           </a:xfrm>
           <a:prstGeom prst="rect">
@@ -12473,7 +12473,12 @@
           <a:lstStyle/>
           <a:p>
             <a:r>
-              <a:rPr lang="en-IN" sz="6600" dirty="0">
+              <a:rPr lang="en-IN" sz="6600" u="sng" dirty="0">
+                <a:solidFill>
+                  <a:schemeClr val="tx2">
+                    <a:lumMod val="90000"/>
+                  </a:schemeClr>
+                </a:solidFill>
                 <a:latin typeface="Algerian" panose="04020705040A02060702" pitchFamily="82" charset="0"/>
               </a:rPr>
               <a:t>Josephus problem</a:t>
@@ -12495,8 +12500,8 @@
         </p:nvSpPr>
         <p:spPr>
           <a:xfrm>
-            <a:off x="7935686" y="4758898"/>
-            <a:ext cx="3853542" cy="1631216"/>
+            <a:off x="8114980" y="5063698"/>
+            <a:ext cx="3853542" cy="1477328"/>
           </a:xfrm>
           <a:prstGeom prst="rect">
             <a:avLst/>
@@ -12511,39 +12516,70 @@
           <a:p>
             <a:pPr algn="r"/>
             <a:r>
-              <a:rPr lang="en-US" sz="2800" dirty="0"/>
+              <a:rPr lang="en-US" dirty="0">
+                <a:solidFill>
+                  <a:schemeClr val="accent1">
+                    <a:lumMod val="60000"/>
+                    <a:lumOff val="40000"/>
+                  </a:schemeClr>
+                </a:solidFill>
+              </a:rPr>
               <a:t>Team:</a:t>
             </a:r>
           </a:p>
           <a:p>
             <a:pPr algn="r"/>
             <a:r>
-              <a:rPr lang="en-US" dirty="0"/>
+              <a:rPr lang="en-US" dirty="0">
+                <a:solidFill>
+                  <a:schemeClr val="accent1">
+                    <a:lumMod val="60000"/>
+                    <a:lumOff val="40000"/>
+                  </a:schemeClr>
+                </a:solidFill>
+              </a:rPr>
               <a:t>Kumar Aashish Raj</a:t>
             </a:r>
           </a:p>
           <a:p>
             <a:pPr algn="r"/>
             <a:r>
-              <a:rPr lang="en-US" dirty="0"/>
+              <a:rPr lang="en-US" dirty="0">
+                <a:solidFill>
+                  <a:schemeClr val="accent1">
+                    <a:lumMod val="60000"/>
+                    <a:lumOff val="40000"/>
+                  </a:schemeClr>
+                </a:solidFill>
+              </a:rPr>
               <a:t>Md. Akhtar Ali</a:t>
             </a:r>
           </a:p>
           <a:p>
             <a:pPr algn="r"/>
             <a:r>
-              <a:rPr lang="en-US" dirty="0" err="1"/>
-              <a:t>Ayushmaan</a:t>
-            </a:r>
-            <a:r>
-              <a:rPr lang="en-US" dirty="0"/>
-              <a:t> Sinha</a:t>
+              <a:rPr lang="en-US" dirty="0">
+                <a:solidFill>
+                  <a:schemeClr val="accent1">
+                    <a:lumMod val="60000"/>
+                    <a:lumOff val="40000"/>
+                  </a:schemeClr>
+                </a:solidFill>
+              </a:rPr>
+              <a:t>Ayushman Sinha</a:t>
             </a:r>
           </a:p>
           <a:p>
             <a:pPr algn="r"/>
             <a:r>
-              <a:rPr lang="en-US" dirty="0"/>
+              <a:rPr lang="en-US" dirty="0">
+                <a:solidFill>
+                  <a:schemeClr val="accent1">
+                    <a:lumMod val="60000"/>
+                    <a:lumOff val="40000"/>
+                  </a:schemeClr>
+                </a:solidFill>
+              </a:rPr>
               <a:t>Shreyanshu Shubham</a:t>
             </a:r>
           </a:p>
@@ -12563,8 +12599,8 @@
         </p:nvSpPr>
         <p:spPr>
           <a:xfrm>
-            <a:off x="2683283" y="4758898"/>
-            <a:ext cx="3853542" cy="800219"/>
+            <a:off x="2225169" y="5186047"/>
+            <a:ext cx="1665514" cy="646331"/>
           </a:xfrm>
           <a:prstGeom prst="rect">
             <a:avLst/>
@@ -12578,14 +12614,161 @@
           <a:lstStyle/>
           <a:p>
             <a:r>
-              <a:rPr lang="en-US" sz="2800" dirty="0"/>
+              <a:rPr lang="en-US" dirty="0">
+                <a:solidFill>
+                  <a:schemeClr val="accent1">
+                    <a:lumMod val="60000"/>
+                    <a:lumOff val="40000"/>
+                  </a:schemeClr>
+                </a:solidFill>
+              </a:rPr>
               <a:t>Teacher:</a:t>
             </a:r>
           </a:p>
           <a:p>
             <a:r>
-              <a:rPr lang="en-US" dirty="0"/>
+              <a:rPr lang="en-US" dirty="0">
+                <a:solidFill>
+                  <a:schemeClr val="accent1">
+                    <a:lumMod val="60000"/>
+                    <a:lumOff val="40000"/>
+                  </a:schemeClr>
+                </a:solidFill>
+              </a:rPr>
               <a:t>Sharmila KP</a:t>
+            </a:r>
+          </a:p>
+        </p:txBody>
+      </p:sp>
+      <p:sp>
+        <p:nvSpPr>
+          <p:cNvPr id="2" name="TextBox 1">
+            <a:extLst>
+              <a:ext uri="{FF2B5EF4-FFF2-40B4-BE49-F238E27FC236}">
+                <a16:creationId xmlns:a16="http://schemas.microsoft.com/office/drawing/2014/main" id="{EFB297B6-3849-4BAD-B644-28F2000525FB}"/>
+              </a:ext>
+            </a:extLst>
+          </p:cNvPr>
+          <p:cNvSpPr txBox="1"/>
+          <p:nvPr/>
+        </p:nvSpPr>
+        <p:spPr>
+          <a:xfrm>
+            <a:off x="3980329" y="1455875"/>
+            <a:ext cx="5620871" cy="461665"/>
+          </a:xfrm>
+          <a:prstGeom prst="rect">
+            <a:avLst/>
+          </a:prstGeom>
+          <a:noFill/>
+        </p:spPr>
+        <p:txBody>
+          <a:bodyPr wrap="square" rtlCol="0">
+            <a:spAutoFit/>
+          </a:bodyPr>
+          <a:lstStyle/>
+          <a:p>
+            <a:r>
+              <a:rPr lang="en-IN" sz="2400" b="1" dirty="0">
+                <a:latin typeface="MV Boli" panose="02000500030200090000" pitchFamily="2" charset="0"/>
+                <a:cs typeface="MV Boli" panose="02000500030200090000" pitchFamily="2" charset="0"/>
+              </a:rPr>
+              <a:t>Named After a Jewish Historian, </a:t>
+            </a:r>
+          </a:p>
+        </p:txBody>
+      </p:sp>
+      <p:pic>
+        <p:nvPicPr>
+          <p:cNvPr id="4" name="Picture 3">
+            <a:extLst>
+              <a:ext uri="{FF2B5EF4-FFF2-40B4-BE49-F238E27FC236}">
+                <a16:creationId xmlns:a16="http://schemas.microsoft.com/office/drawing/2014/main" id="{DDAEAC2F-D6B7-45B1-9858-4B5D976A64E4}"/>
+              </a:ext>
+            </a:extLst>
+          </p:cNvPr>
+          <p:cNvPicPr>
+            <a:picLocks noChangeAspect="1"/>
+          </p:cNvPicPr>
+          <p:nvPr/>
+        </p:nvPicPr>
+        <p:blipFill>
+          <a:blip r:embed="rId2">
+            <a:extLst>
+              <a:ext uri="{28A0092B-C50C-407E-A947-70E740481C1C}">
+                <a14:useLocalDpi xmlns:a14="http://schemas.microsoft.com/office/drawing/2010/main" val="0"/>
+              </a:ext>
+            </a:extLst>
+          </a:blip>
+          <a:stretch>
+            <a:fillRect/>
+          </a:stretch>
+        </p:blipFill>
+        <p:spPr>
+          <a:xfrm>
+            <a:off x="5160905" y="2186907"/>
+            <a:ext cx="2372770" cy="3022921"/>
+          </a:xfrm>
+          <a:prstGeom prst="rect">
+            <a:avLst/>
+          </a:prstGeom>
+        </p:spPr>
+      </p:pic>
+      <p:sp>
+        <p:nvSpPr>
+          <p:cNvPr id="5" name="TextBox 4">
+            <a:extLst>
+              <a:ext uri="{FF2B5EF4-FFF2-40B4-BE49-F238E27FC236}">
+                <a16:creationId xmlns:a16="http://schemas.microsoft.com/office/drawing/2014/main" id="{C3EA0E17-1A3F-4B7D-85F7-092BF74D9783}"/>
+              </a:ext>
+            </a:extLst>
+          </p:cNvPr>
+          <p:cNvSpPr txBox="1"/>
+          <p:nvPr/>
+        </p:nvSpPr>
+        <p:spPr>
+          <a:xfrm>
+            <a:off x="5341582" y="5209828"/>
+            <a:ext cx="2635624" cy="369332"/>
+          </a:xfrm>
+          <a:prstGeom prst="rect">
+            <a:avLst/>
+          </a:prstGeom>
+          <a:noFill/>
+        </p:spPr>
+        <p:txBody>
+          <a:bodyPr wrap="square" rtlCol="0">
+            <a:spAutoFit/>
+          </a:bodyPr>
+          <a:lstStyle/>
+          <a:p>
+            <a:r>
+              <a:rPr lang="en-IN" dirty="0"/>
+              <a:t> </a:t>
+            </a:r>
+            <a:r>
+              <a:rPr lang="en-IN" b="1" dirty="0">
+                <a:solidFill>
+                  <a:srgbClr val="FF0000"/>
+                </a:solidFill>
+                <a:latin typeface="Constantia" panose="02030602050306030303" pitchFamily="18" charset="0"/>
+              </a:rPr>
+              <a:t>Flavius</a:t>
+            </a:r>
+            <a:r>
+              <a:rPr lang="en-IN" b="1" dirty="0">
+                <a:latin typeface="Constantia" panose="02030602050306030303" pitchFamily="18" charset="0"/>
+              </a:rPr>
+              <a:t> </a:t>
+            </a:r>
+            <a:r>
+              <a:rPr lang="en-IN" b="1" dirty="0">
+                <a:solidFill>
+                  <a:srgbClr val="FF0000"/>
+                </a:solidFill>
+                <a:latin typeface="Constantia" panose="02030602050306030303" pitchFamily="18" charset="0"/>
+              </a:rPr>
+              <a:t>Josephus</a:t>
             </a:r>
           </a:p>
         </p:txBody>
@@ -12940,8 +13123,8 @@
         </p:nvSpPr>
         <p:spPr>
           <a:xfrm>
-            <a:off x="2877492" y="3075057"/>
-            <a:ext cx="6678885" cy="707886"/>
+            <a:off x="2420471" y="277906"/>
+            <a:ext cx="8364070" cy="1015663"/>
           </a:xfrm>
           <a:prstGeom prst="rect">
             <a:avLst/>
@@ -12956,20 +13139,62 @@
           <a:p>
             <a:pPr algn="just"/>
             <a:r>
-              <a:rPr lang="en-US" sz="4000" dirty="0">
+              <a:rPr lang="en-US" sz="4800" dirty="0">
                 <a:latin typeface="Bahnschrift SemiBold" panose="020B0502040204020203" pitchFamily="34" charset="0"/>
+              </a:rPr>
+              <a:t> </a:t>
+            </a:r>
+            <a:r>
+              <a:rPr lang="en-US" sz="6000" b="1" dirty="0">
+                <a:latin typeface="Monotype Corsiva" panose="03010101010201010101" pitchFamily="66" charset="0"/>
               </a:rPr>
               <a:t>What is </a:t>
             </a:r>
             <a:r>
-              <a:rPr lang="en-IN" sz="4000" dirty="0">
-                <a:latin typeface="Bahnschrift SemiBold" panose="020B0502040204020203" pitchFamily="34" charset="0"/>
+              <a:rPr lang="en-IN" sz="6000" b="1" dirty="0">
+                <a:latin typeface="Monotype Corsiva" panose="03010101010201010101" pitchFamily="66" charset="0"/>
               </a:rPr>
               <a:t>Josephus problem?</a:t>
             </a:r>
           </a:p>
         </p:txBody>
       </p:sp>
+      <p:pic>
+        <p:nvPicPr>
+          <p:cNvPr id="6" name="Picture 5">
+            <a:extLst>
+              <a:ext uri="{FF2B5EF4-FFF2-40B4-BE49-F238E27FC236}">
+                <a16:creationId xmlns:a16="http://schemas.microsoft.com/office/drawing/2014/main" id="{DA882D9A-7889-4C84-8DFB-FF88AD4E0136}"/>
+              </a:ext>
+            </a:extLst>
+          </p:cNvPr>
+          <p:cNvPicPr>
+            <a:picLocks noChangeAspect="1"/>
+          </p:cNvPicPr>
+          <p:nvPr/>
+        </p:nvPicPr>
+        <p:blipFill>
+          <a:blip r:embed="rId2">
+            <a:extLst>
+              <a:ext uri="{28A0092B-C50C-407E-A947-70E740481C1C}">
+                <a14:useLocalDpi xmlns:a14="http://schemas.microsoft.com/office/drawing/2010/main" val="0"/>
+              </a:ext>
+            </a:extLst>
+          </a:blip>
+          <a:stretch>
+            <a:fillRect/>
+          </a:stretch>
+        </p:blipFill>
+        <p:spPr>
+          <a:xfrm>
+            <a:off x="3920938" y="1424268"/>
+            <a:ext cx="4762500" cy="4762500"/>
+          </a:xfrm>
+          <a:prstGeom prst="rect">
+            <a:avLst/>
+          </a:prstGeom>
+        </p:spPr>
+      </p:pic>
     </p:spTree>
     <p:extLst>
       <p:ext uri="{BB962C8B-B14F-4D97-AF65-F5344CB8AC3E}">
